--- a/Proyecto SIAF.pptx
+++ b/Proyecto SIAF.pptx
@@ -5,22 +5,19 @@
     <p:sldMasterId id="2147483744" r:id="rId1"/>
   </p:sldMasterIdLst>
   <p:notesMasterIdLst>
-    <p:notesMasterId r:id="rId15"/>
+    <p:notesMasterId r:id="rId12"/>
   </p:notesMasterIdLst>
   <p:sldIdLst>
     <p:sldId id="256" r:id="rId2"/>
     <p:sldId id="263" r:id="rId3"/>
-    <p:sldId id="260" r:id="rId4"/>
-    <p:sldId id="257" r:id="rId5"/>
-    <p:sldId id="261" r:id="rId6"/>
-    <p:sldId id="262" r:id="rId7"/>
-    <p:sldId id="259" r:id="rId8"/>
-    <p:sldId id="264" r:id="rId9"/>
-    <p:sldId id="265" r:id="rId10"/>
-    <p:sldId id="266" r:id="rId11"/>
-    <p:sldId id="267" r:id="rId12"/>
-    <p:sldId id="268" r:id="rId13"/>
-    <p:sldId id="269" r:id="rId14"/>
+    <p:sldId id="264" r:id="rId4"/>
+    <p:sldId id="265" r:id="rId5"/>
+    <p:sldId id="267" r:id="rId6"/>
+    <p:sldId id="268" r:id="rId7"/>
+    <p:sldId id="266" r:id="rId8"/>
+    <p:sldId id="270" r:id="rId9"/>
+    <p:sldId id="271" r:id="rId10"/>
+    <p:sldId id="273" r:id="rId11"/>
   </p:sldIdLst>
   <p:sldSz cx="9144000" cy="6858000" type="screen4x3"/>
   <p:notesSz cx="6858000" cy="9144000"/>
@@ -204,7 +201,8 @@
           <a:p>
             <a:fld id="{9800888D-8F51-4D11-89AA-056B1209A1B2}" type="datetimeFigureOut">
               <a:rPr lang="es-CL" smtClean="0"/>
-              <a:t>06-10-2014</a:t>
+              <a:pPr/>
+              <a:t>09-10-2014</a:t>
             </a:fld>
             <a:endParaRPr lang="es-CL"/>
           </a:p>
@@ -365,6 +363,7 @@
           <a:p>
             <a:fld id="{35318021-6468-4E13-926B-6B5C4AE01424}" type="slidenum">
               <a:rPr lang="es-CL" smtClean="0"/>
+              <a:pPr/>
               <a:t>‹Nº›</a:t>
             </a:fld>
             <a:endParaRPr lang="es-CL"/>
@@ -536,7 +535,172 @@
           <a:p>
             <a:fld id="{35318021-6468-4E13-926B-6B5C4AE01424}" type="slidenum">
               <a:rPr lang="es-CL" smtClean="0"/>
-              <a:t>8</a:t>
+              <a:pPr/>
+              <a:t>2</a:t>
+            </a:fld>
+            <a:endParaRPr lang="es-CL"/>
+          </a:p>
+        </p:txBody>
+      </p:sp>
+    </p:spTree>
+  </p:cSld>
+  <p:clrMapOvr>
+    <a:masterClrMapping/>
+  </p:clrMapOvr>
+</p:notes>
+</file>
+
+<file path=ppt/notesSlides/notesSlide2.xml><?xml version="1.0" encoding="utf-8"?>
+<p:notes xmlns:a="http://schemas.openxmlformats.org/drawingml/2006/main" xmlns:r="http://schemas.openxmlformats.org/officeDocument/2006/relationships" xmlns:p="http://schemas.openxmlformats.org/presentationml/2006/main">
+  <p:cSld>
+    <p:spTree>
+      <p:nvGrpSpPr>
+        <p:cNvPr id="1" name=""/>
+        <p:cNvGrpSpPr/>
+        <p:nvPr/>
+      </p:nvGrpSpPr>
+      <p:grpSpPr>
+        <a:xfrm>
+          <a:off x="0" y="0"/>
+          <a:ext cx="0" cy="0"/>
+          <a:chOff x="0" y="0"/>
+          <a:chExt cx="0" cy="0"/>
+        </a:xfrm>
+      </p:grpSpPr>
+      <p:sp>
+        <p:nvSpPr>
+          <p:cNvPr id="2" name="1 Marcador de imagen de diapositiva"/>
+          <p:cNvSpPr>
+            <a:spLocks noGrp="1" noRot="1" noChangeAspect="1"/>
+          </p:cNvSpPr>
+          <p:nvPr>
+            <p:ph type="sldImg"/>
+          </p:nvPr>
+        </p:nvSpPr>
+        <p:spPr/>
+      </p:sp>
+      <p:sp>
+        <p:nvSpPr>
+          <p:cNvPr id="3" name="2 Marcador de notas"/>
+          <p:cNvSpPr>
+            <a:spLocks noGrp="1"/>
+          </p:cNvSpPr>
+          <p:nvPr>
+            <p:ph type="body" idx="1"/>
+          </p:nvPr>
+        </p:nvSpPr>
+        <p:spPr/>
+        <p:txBody>
+          <a:bodyPr>
+            <a:normAutofit/>
+          </a:bodyPr>
+          <a:lstStyle/>
+          <a:p>
+            <a:endParaRPr lang="es-CL" dirty="0"/>
+          </a:p>
+        </p:txBody>
+      </p:sp>
+      <p:sp>
+        <p:nvSpPr>
+          <p:cNvPr id="4" name="3 Marcador de número de diapositiva"/>
+          <p:cNvSpPr>
+            <a:spLocks noGrp="1"/>
+          </p:cNvSpPr>
+          <p:nvPr>
+            <p:ph type="sldNum" sz="quarter" idx="10"/>
+          </p:nvPr>
+        </p:nvSpPr>
+        <p:spPr/>
+        <p:txBody>
+          <a:bodyPr/>
+          <a:lstStyle/>
+          <a:p>
+            <a:fld id="{35318021-6468-4E13-926B-6B5C4AE01424}" type="slidenum">
+              <a:rPr lang="es-CL" smtClean="0"/>
+              <a:pPr/>
+              <a:t>3</a:t>
+            </a:fld>
+            <a:endParaRPr lang="es-CL"/>
+          </a:p>
+        </p:txBody>
+      </p:sp>
+    </p:spTree>
+  </p:cSld>
+  <p:clrMapOvr>
+    <a:masterClrMapping/>
+  </p:clrMapOvr>
+</p:notes>
+</file>
+
+<file path=ppt/notesSlides/notesSlide3.xml><?xml version="1.0" encoding="utf-8"?>
+<p:notes xmlns:a="http://schemas.openxmlformats.org/drawingml/2006/main" xmlns:r="http://schemas.openxmlformats.org/officeDocument/2006/relationships" xmlns:p="http://schemas.openxmlformats.org/presentationml/2006/main">
+  <p:cSld>
+    <p:spTree>
+      <p:nvGrpSpPr>
+        <p:cNvPr id="1" name=""/>
+        <p:cNvGrpSpPr/>
+        <p:nvPr/>
+      </p:nvGrpSpPr>
+      <p:grpSpPr>
+        <a:xfrm>
+          <a:off x="0" y="0"/>
+          <a:ext cx="0" cy="0"/>
+          <a:chOff x="0" y="0"/>
+          <a:chExt cx="0" cy="0"/>
+        </a:xfrm>
+      </p:grpSpPr>
+      <p:sp>
+        <p:nvSpPr>
+          <p:cNvPr id="2" name="1 Marcador de imagen de diapositiva"/>
+          <p:cNvSpPr>
+            <a:spLocks noGrp="1" noRot="1" noChangeAspect="1"/>
+          </p:cNvSpPr>
+          <p:nvPr>
+            <p:ph type="sldImg"/>
+          </p:nvPr>
+        </p:nvSpPr>
+        <p:spPr/>
+      </p:sp>
+      <p:sp>
+        <p:nvSpPr>
+          <p:cNvPr id="3" name="2 Marcador de notas"/>
+          <p:cNvSpPr>
+            <a:spLocks noGrp="1"/>
+          </p:cNvSpPr>
+          <p:nvPr>
+            <p:ph type="body" idx="1"/>
+          </p:nvPr>
+        </p:nvSpPr>
+        <p:spPr/>
+        <p:txBody>
+          <a:bodyPr>
+            <a:normAutofit/>
+          </a:bodyPr>
+          <a:lstStyle/>
+          <a:p>
+            <a:endParaRPr lang="es-CL" dirty="0"/>
+          </a:p>
+        </p:txBody>
+      </p:sp>
+      <p:sp>
+        <p:nvSpPr>
+          <p:cNvPr id="4" name="3 Marcador de número de diapositiva"/>
+          <p:cNvSpPr>
+            <a:spLocks noGrp="1"/>
+          </p:cNvSpPr>
+          <p:nvPr>
+            <p:ph type="sldNum" sz="quarter" idx="10"/>
+          </p:nvPr>
+        </p:nvSpPr>
+        <p:spPr/>
+        <p:txBody>
+          <a:bodyPr/>
+          <a:lstStyle/>
+          <a:p>
+            <a:fld id="{35318021-6468-4E13-926B-6B5C4AE01424}" type="slidenum">
+              <a:rPr lang="es-CL" smtClean="0"/>
+              <a:pPr/>
+              <a:t>10</a:t>
             </a:fld>
             <a:endParaRPr lang="es-CL"/>
           </a:p>
@@ -685,7 +849,7 @@
             <a:fld id="{533ADA1D-4EFA-4C3A-8CD5-44C3C37014F7}" type="datetimeFigureOut">
               <a:rPr lang="es-CL" smtClean="0"/>
               <a:pPr/>
-              <a:t>06-10-2014</a:t>
+              <a:t>09-10-2014</a:t>
             </a:fld>
             <a:endParaRPr lang="es-CL"/>
           </a:p>
@@ -1000,7 +1164,7 @@
             <a:fld id="{533ADA1D-4EFA-4C3A-8CD5-44C3C37014F7}" type="datetimeFigureOut">
               <a:rPr lang="es-CL" smtClean="0"/>
               <a:pPr/>
-              <a:t>06-10-2014</a:t>
+              <a:t>09-10-2014</a:t>
             </a:fld>
             <a:endParaRPr lang="es-CL"/>
           </a:p>
@@ -1187,7 +1351,7 @@
             <a:fld id="{533ADA1D-4EFA-4C3A-8CD5-44C3C37014F7}" type="datetimeFigureOut">
               <a:rPr lang="es-CL" smtClean="0"/>
               <a:pPr/>
-              <a:t>06-10-2014</a:t>
+              <a:t>09-10-2014</a:t>
             </a:fld>
             <a:endParaRPr lang="es-CL"/>
           </a:p>
@@ -1364,7 +1528,7 @@
             <a:fld id="{533ADA1D-4EFA-4C3A-8CD5-44C3C37014F7}" type="datetimeFigureOut">
               <a:rPr lang="es-CL" smtClean="0"/>
               <a:pPr/>
-              <a:t>06-10-2014</a:t>
+              <a:t>09-10-2014</a:t>
             </a:fld>
             <a:endParaRPr lang="es-CL"/>
           </a:p>
@@ -1634,7 +1798,7 @@
             <a:fld id="{533ADA1D-4EFA-4C3A-8CD5-44C3C37014F7}" type="datetimeFigureOut">
               <a:rPr lang="es-CL" smtClean="0"/>
               <a:pPr/>
-              <a:t>06-10-2014</a:t>
+              <a:t>09-10-2014</a:t>
             </a:fld>
             <a:endParaRPr lang="es-CL"/>
           </a:p>
@@ -2104,7 +2268,7 @@
             <a:fld id="{533ADA1D-4EFA-4C3A-8CD5-44C3C37014F7}" type="datetimeFigureOut">
               <a:rPr lang="es-CL" smtClean="0"/>
               <a:pPr/>
-              <a:t>06-10-2014</a:t>
+              <a:t>09-10-2014</a:t>
             </a:fld>
             <a:endParaRPr lang="es-CL"/>
           </a:p>
@@ -2595,7 +2759,7 @@
             <a:fld id="{533ADA1D-4EFA-4C3A-8CD5-44C3C37014F7}" type="datetimeFigureOut">
               <a:rPr lang="es-CL" smtClean="0"/>
               <a:pPr/>
-              <a:t>06-10-2014</a:t>
+              <a:t>09-10-2014</a:t>
             </a:fld>
             <a:endParaRPr lang="es-CL"/>
           </a:p>
@@ -2723,7 +2887,7 @@
             <a:fld id="{533ADA1D-4EFA-4C3A-8CD5-44C3C37014F7}" type="datetimeFigureOut">
               <a:rPr lang="es-CL" smtClean="0"/>
               <a:pPr/>
-              <a:t>06-10-2014</a:t>
+              <a:t>09-10-2014</a:t>
             </a:fld>
             <a:endParaRPr lang="es-CL"/>
           </a:p>
@@ -2869,7 +3033,7 @@
             <a:fld id="{533ADA1D-4EFA-4C3A-8CD5-44C3C37014F7}" type="datetimeFigureOut">
               <a:rPr lang="es-CL" smtClean="0"/>
               <a:pPr/>
-              <a:t>06-10-2014</a:t>
+              <a:t>09-10-2014</a:t>
             </a:fld>
             <a:endParaRPr lang="es-CL"/>
           </a:p>
@@ -3193,7 +3357,7 @@
             <a:fld id="{533ADA1D-4EFA-4C3A-8CD5-44C3C37014F7}" type="datetimeFigureOut">
               <a:rPr lang="es-CL" smtClean="0"/>
               <a:pPr/>
-              <a:t>06-10-2014</a:t>
+              <a:t>09-10-2014</a:t>
             </a:fld>
             <a:endParaRPr lang="es-CL"/>
           </a:p>
@@ -3329,7 +3493,7 @@
             <a:fld id="{533ADA1D-4EFA-4C3A-8CD5-44C3C37014F7}" type="datetimeFigureOut">
               <a:rPr lang="es-CL" smtClean="0"/>
               <a:pPr/>
-              <a:t>06-10-2014</a:t>
+              <a:t>09-10-2014</a:t>
             </a:fld>
             <a:endParaRPr lang="es-CL"/>
           </a:p>
@@ -4112,7 +4276,7 @@
             <a:fld id="{533ADA1D-4EFA-4C3A-8CD5-44C3C37014F7}" type="datetimeFigureOut">
               <a:rPr lang="es-CL" smtClean="0"/>
               <a:pPr/>
-              <a:t>06-10-2014</a:t>
+              <a:t>09-10-2014</a:t>
             </a:fld>
             <a:endParaRPr lang="es-CL"/>
           </a:p>
@@ -4753,7 +4917,7 @@
     </p:spTree>
     <p:extLst>
       <p:ext uri="{BB962C8B-B14F-4D97-AF65-F5344CB8AC3E}">
-        <p14:creationId xmlns:p14="http://schemas.microsoft.com/office/powerpoint/2010/main" xmlns="" val="2715007045"/>
+        <p14:creationId xmlns="" xmlns:p14="http://schemas.microsoft.com/office/powerpoint/2010/main" val="2715007045"/>
       </p:ext>
     </p:extLst>
   </p:cSld>
@@ -4790,7 +4954,362 @@
       </p:grpSpPr>
       <p:sp>
         <p:nvSpPr>
-          <p:cNvPr id="2" name="1 Título"/>
+          <p:cNvPr id="21" name="20 Rectángulo"/>
+          <p:cNvSpPr/>
+          <p:nvPr/>
+        </p:nvSpPr>
+        <p:spPr>
+          <a:xfrm>
+            <a:off x="1403648" y="1916832"/>
+            <a:ext cx="6048672" cy="1800200"/>
+          </a:xfrm>
+          <a:prstGeom prst="rect">
+            <a:avLst/>
+          </a:prstGeom>
+          <a:solidFill>
+            <a:schemeClr val="accent1">
+              <a:lumMod val="40000"/>
+              <a:lumOff val="60000"/>
+            </a:schemeClr>
+          </a:solidFill>
+        </p:spPr>
+        <p:style>
+          <a:lnRef idx="2">
+            <a:schemeClr val="accent1">
+              <a:shade val="50000"/>
+            </a:schemeClr>
+          </a:lnRef>
+          <a:fillRef idx="1">
+            <a:schemeClr val="accent1"/>
+          </a:fillRef>
+          <a:effectRef idx="0">
+            <a:schemeClr val="accent1"/>
+          </a:effectRef>
+          <a:fontRef idx="minor">
+            <a:schemeClr val="lt1"/>
+          </a:fontRef>
+        </p:style>
+        <p:txBody>
+          <a:bodyPr rtlCol="0" anchor="ctr"/>
+          <a:lstStyle/>
+          <a:p>
+            <a:pPr algn="ctr"/>
+            <a:endParaRPr lang="es-CL"/>
+          </a:p>
+        </p:txBody>
+      </p:sp>
+      <p:sp>
+        <p:nvSpPr>
+          <p:cNvPr id="9" name="8 Rectángulo"/>
+          <p:cNvSpPr/>
+          <p:nvPr/>
+        </p:nvSpPr>
+        <p:spPr>
+          <a:xfrm>
+            <a:off x="1547664" y="980728"/>
+            <a:ext cx="5760640" cy="576064"/>
+          </a:xfrm>
+          <a:prstGeom prst="rect">
+            <a:avLst/>
+          </a:prstGeom>
+        </p:spPr>
+        <p:style>
+          <a:lnRef idx="2">
+            <a:schemeClr val="accent1">
+              <a:shade val="50000"/>
+            </a:schemeClr>
+          </a:lnRef>
+          <a:fillRef idx="1">
+            <a:schemeClr val="accent1"/>
+          </a:fillRef>
+          <a:effectRef idx="0">
+            <a:schemeClr val="accent1"/>
+          </a:effectRef>
+          <a:fontRef idx="minor">
+            <a:schemeClr val="lt1"/>
+          </a:fontRef>
+        </p:style>
+        <p:txBody>
+          <a:bodyPr rtlCol="0" anchor="ctr"/>
+          <a:lstStyle/>
+          <a:p>
+            <a:r>
+              <a:rPr lang="es-CL" dirty="0" smtClean="0"/>
+              <a:t>Interfaz Web</a:t>
+            </a:r>
+          </a:p>
+          <a:p>
+            <a:pPr algn="ctr"/>
+            <a:r>
+              <a:rPr lang="es-CL" dirty="0" smtClean="0"/>
+              <a:t>WebForm .</a:t>
+            </a:r>
+            <a:r>
+              <a:rPr lang="es-CL" dirty="0" smtClean="0"/>
+              <a:t>NET – ( HTTP / CSS )</a:t>
+            </a:r>
+            <a:endParaRPr lang="es-CL" dirty="0"/>
+          </a:p>
+        </p:txBody>
+      </p:sp>
+      <p:sp>
+        <p:nvSpPr>
+          <p:cNvPr id="11" name="10 Rectángulo"/>
+          <p:cNvSpPr/>
+          <p:nvPr/>
+        </p:nvSpPr>
+        <p:spPr>
+          <a:xfrm>
+            <a:off x="1547664" y="1988840"/>
+            <a:ext cx="5760640" cy="504056"/>
+          </a:xfrm>
+          <a:prstGeom prst="rect">
+            <a:avLst/>
+          </a:prstGeom>
+        </p:spPr>
+        <p:style>
+          <a:lnRef idx="2">
+            <a:schemeClr val="accent1">
+              <a:shade val="50000"/>
+            </a:schemeClr>
+          </a:lnRef>
+          <a:fillRef idx="1">
+            <a:schemeClr val="accent1"/>
+          </a:fillRef>
+          <a:effectRef idx="0">
+            <a:schemeClr val="accent1"/>
+          </a:effectRef>
+          <a:fontRef idx="minor">
+            <a:schemeClr val="lt1"/>
+          </a:fontRef>
+        </p:style>
+        <p:txBody>
+          <a:bodyPr rtlCol="0" anchor="ctr"/>
+          <a:lstStyle/>
+          <a:p>
+            <a:r>
+              <a:rPr lang="es-CL" dirty="0" smtClean="0"/>
+              <a:t>Interfaces de Servicio</a:t>
+            </a:r>
+          </a:p>
+          <a:p>
+            <a:pPr algn="ctr"/>
+            <a:r>
+              <a:rPr lang="es-CL" dirty="0" smtClean="0"/>
+              <a:t>Web API </a:t>
+            </a:r>
+            <a:r>
+              <a:rPr lang="es-CL" dirty="0" smtClean="0"/>
+              <a:t>- ASP.NET</a:t>
+            </a:r>
+            <a:endParaRPr lang="es-CL" dirty="0"/>
+          </a:p>
+        </p:txBody>
+      </p:sp>
+      <p:sp>
+        <p:nvSpPr>
+          <p:cNvPr id="12" name="11 Rectángulo"/>
+          <p:cNvSpPr/>
+          <p:nvPr/>
+        </p:nvSpPr>
+        <p:spPr>
+          <a:xfrm>
+            <a:off x="1547664" y="2636912"/>
+            <a:ext cx="5760640" cy="1008112"/>
+          </a:xfrm>
+          <a:prstGeom prst="rect">
+            <a:avLst/>
+          </a:prstGeom>
+        </p:spPr>
+        <p:style>
+          <a:lnRef idx="2">
+            <a:schemeClr val="accent1">
+              <a:shade val="50000"/>
+            </a:schemeClr>
+          </a:lnRef>
+          <a:fillRef idx="1">
+            <a:schemeClr val="accent1"/>
+          </a:fillRef>
+          <a:effectRef idx="0">
+            <a:schemeClr val="accent1"/>
+          </a:effectRef>
+          <a:fontRef idx="minor">
+            <a:schemeClr val="lt1"/>
+          </a:fontRef>
+        </p:style>
+        <p:txBody>
+          <a:bodyPr rtlCol="0" anchor="ctr"/>
+          <a:lstStyle/>
+          <a:p>
+            <a:r>
+              <a:rPr lang="es-CL" dirty="0" smtClean="0"/>
+              <a:t>Capa Negocio</a:t>
+            </a:r>
+          </a:p>
+          <a:p>
+            <a:pPr algn="ctr"/>
+            <a:r>
+              <a:rPr lang="es-CL" dirty="0" smtClean="0"/>
+              <a:t>Clase </a:t>
+            </a:r>
+            <a:r>
+              <a:rPr lang="es-CL" dirty="0" smtClean="0"/>
+              <a:t>Negocios</a:t>
+            </a:r>
+          </a:p>
+          <a:p>
+            <a:pPr algn="ctr"/>
+            <a:r>
+              <a:rPr lang="es-CL" dirty="0" smtClean="0"/>
+              <a:t>Clases #C</a:t>
+            </a:r>
+            <a:endParaRPr lang="es-CL" dirty="0" smtClean="0"/>
+          </a:p>
+          <a:p>
+            <a:endParaRPr lang="es-CL" dirty="0" smtClean="0"/>
+          </a:p>
+        </p:txBody>
+      </p:sp>
+      <p:sp>
+        <p:nvSpPr>
+          <p:cNvPr id="14" name="13 Rectángulo"/>
+          <p:cNvSpPr/>
+          <p:nvPr/>
+        </p:nvSpPr>
+        <p:spPr>
+          <a:xfrm>
+            <a:off x="1547664" y="4077072"/>
+            <a:ext cx="5760640" cy="1008112"/>
+          </a:xfrm>
+          <a:prstGeom prst="rect">
+            <a:avLst/>
+          </a:prstGeom>
+        </p:spPr>
+        <p:style>
+          <a:lnRef idx="2">
+            <a:schemeClr val="accent1">
+              <a:shade val="50000"/>
+            </a:schemeClr>
+          </a:lnRef>
+          <a:fillRef idx="1">
+            <a:schemeClr val="accent1"/>
+          </a:fillRef>
+          <a:effectRef idx="0">
+            <a:schemeClr val="accent1"/>
+          </a:effectRef>
+          <a:fontRef idx="minor">
+            <a:schemeClr val="lt1"/>
+          </a:fontRef>
+        </p:style>
+        <p:txBody>
+          <a:bodyPr rtlCol="0" anchor="ctr"/>
+          <a:lstStyle/>
+          <a:p>
+            <a:r>
+              <a:rPr lang="es-CL" dirty="0" smtClean="0"/>
+              <a:t>Capa  Datos</a:t>
+            </a:r>
+          </a:p>
+          <a:p>
+            <a:pPr algn="ctr"/>
+            <a:r>
+              <a:rPr lang="es-CL" dirty="0" smtClean="0"/>
+              <a:t>Entity Framework</a:t>
+            </a:r>
+          </a:p>
+          <a:p>
+            <a:pPr algn="ctr"/>
+            <a:r>
+              <a:rPr lang="es-CL" dirty="0" smtClean="0"/>
+              <a:t>ADO.NET - Procedimientos Almacenados</a:t>
+            </a:r>
+            <a:endParaRPr lang="es-CL" dirty="0" smtClean="0"/>
+          </a:p>
+          <a:p>
+            <a:endParaRPr lang="es-CL" dirty="0" smtClean="0"/>
+          </a:p>
+        </p:txBody>
+      </p:sp>
+      <p:sp>
+        <p:nvSpPr>
+          <p:cNvPr id="15" name="14 Disco magnético"/>
+          <p:cNvSpPr/>
+          <p:nvPr/>
+        </p:nvSpPr>
+        <p:spPr>
+          <a:xfrm>
+            <a:off x="3203848" y="5661248"/>
+            <a:ext cx="1944216" cy="1152128"/>
+          </a:xfrm>
+          <a:prstGeom prst="flowChartMagneticDisk">
+            <a:avLst/>
+          </a:prstGeom>
+        </p:spPr>
+        <p:style>
+          <a:lnRef idx="2">
+            <a:schemeClr val="accent1">
+              <a:shade val="50000"/>
+            </a:schemeClr>
+          </a:lnRef>
+          <a:fillRef idx="1">
+            <a:schemeClr val="accent1"/>
+          </a:fillRef>
+          <a:effectRef idx="0">
+            <a:schemeClr val="accent1"/>
+          </a:effectRef>
+          <a:fontRef idx="minor">
+            <a:schemeClr val="lt1"/>
+          </a:fontRef>
+        </p:style>
+        <p:txBody>
+          <a:bodyPr rtlCol="0" anchor="ctr"/>
+          <a:lstStyle/>
+          <a:p>
+            <a:pPr algn="ctr"/>
+            <a:r>
+              <a:rPr lang="es-CL" dirty="0" smtClean="0"/>
+              <a:t>SQL</a:t>
+            </a:r>
+            <a:endParaRPr lang="es-CL" dirty="0"/>
+          </a:p>
+        </p:txBody>
+      </p:sp>
+      <p:cxnSp>
+        <p:nvCxnSpPr>
+          <p:cNvPr id="19" name="18 Conector recto de flecha"/>
+          <p:cNvCxnSpPr/>
+          <p:nvPr/>
+        </p:nvCxnSpPr>
+        <p:spPr>
+          <a:xfrm>
+            <a:off x="3563888" y="5085184"/>
+            <a:ext cx="0" cy="576064"/>
+          </a:xfrm>
+          <a:prstGeom prst="straightConnector1">
+            <a:avLst/>
+          </a:prstGeom>
+          <a:ln>
+            <a:tailEnd type="arrow"/>
+          </a:ln>
+        </p:spPr>
+        <p:style>
+          <a:lnRef idx="1">
+            <a:schemeClr val="accent1"/>
+          </a:lnRef>
+          <a:fillRef idx="0">
+            <a:schemeClr val="accent1"/>
+          </a:fillRef>
+          <a:effectRef idx="0">
+            <a:schemeClr val="accent1"/>
+          </a:effectRef>
+          <a:fontRef idx="minor">
+            <a:schemeClr val="tx1"/>
+          </a:fontRef>
+        </p:style>
+      </p:cxnSp>
+      <p:sp>
+        <p:nvSpPr>
+          <p:cNvPr id="23" name="1 Título"/>
           <p:cNvSpPr>
             <a:spLocks noGrp="1"/>
           </p:cNvSpPr>
@@ -4798,359 +5317,191 @@
             <p:ph type="title"/>
           </p:nvPr>
         </p:nvSpPr>
-        <p:spPr/>
-        <p:txBody>
-          <a:bodyPr/>
-          <a:lstStyle/>
-          <a:p>
-            <a:r>
-              <a:rPr lang="es-CL" dirty="0" smtClean="0"/>
-              <a:t>Entity Framework </a:t>
-            </a:r>
-            <a:endParaRPr lang="es-CL" dirty="0"/>
-          </a:p>
-        </p:txBody>
-      </p:sp>
-      <p:sp>
-        <p:nvSpPr>
-          <p:cNvPr id="3" name="2 Marcador de contenido"/>
-          <p:cNvSpPr>
-            <a:spLocks noGrp="1"/>
-          </p:cNvSpPr>
-          <p:nvPr>
-            <p:ph idx="1"/>
-          </p:nvPr>
-        </p:nvSpPr>
-        <p:spPr/>
-        <p:txBody>
-          <a:bodyPr/>
-          <a:lstStyle/>
-          <a:p>
-            <a:r>
-              <a:rPr lang="es-CL" dirty="0" smtClean="0"/>
-              <a:t>Es un asignador objeto-relacional que permite a los desarrolladores de .NET trabajar con datos relacionales usando objetos  específicos del dominio. Elimina la necesidad de la mayor parte del código de acceso a datos que los desarrolladores suelen tener que escribir.</a:t>
-            </a:r>
-          </a:p>
-          <a:p>
-            <a:endParaRPr lang="es-CL" dirty="0"/>
-          </a:p>
-        </p:txBody>
-      </p:sp>
-    </p:spTree>
-  </p:cSld>
-  <p:clrMapOvr>
-    <a:masterClrMapping/>
-  </p:clrMapOvr>
-  <p:timing>
-    <p:tnLst>
-      <p:par>
-        <p:cTn id="1" dur="indefinite" restart="never" nodeType="tmRoot"/>
-      </p:par>
-    </p:tnLst>
-  </p:timing>
-</p:sld>
-</file>
-
-<file path=ppt/slides/slide11.xml><?xml version="1.0" encoding="utf-8"?>
-<p:sld xmlns:a="http://schemas.openxmlformats.org/drawingml/2006/main" xmlns:r="http://schemas.openxmlformats.org/officeDocument/2006/relationships" xmlns:p="http://schemas.openxmlformats.org/presentationml/2006/main">
-  <p:cSld>
-    <p:spTree>
-      <p:nvGrpSpPr>
-        <p:cNvPr id="1" name=""/>
-        <p:cNvGrpSpPr/>
-        <p:nvPr/>
-      </p:nvGrpSpPr>
-      <p:grpSpPr>
-        <a:xfrm>
-          <a:off x="0" y="0"/>
-          <a:ext cx="0" cy="0"/>
-          <a:chOff x="0" y="0"/>
-          <a:chExt cx="0" cy="0"/>
-        </a:xfrm>
-      </p:grpSpPr>
-      <p:sp>
-        <p:nvSpPr>
-          <p:cNvPr id="2" name="1 Título"/>
-          <p:cNvSpPr>
-            <a:spLocks noGrp="1"/>
-          </p:cNvSpPr>
-          <p:nvPr>
-            <p:ph type="title"/>
-          </p:nvPr>
-        </p:nvSpPr>
-        <p:spPr/>
-        <p:txBody>
-          <a:bodyPr/>
-          <a:lstStyle/>
-          <a:p>
-            <a:r>
-              <a:rPr lang="es-CL" dirty="0" smtClean="0"/>
-              <a:t>Web API vs WCF</a:t>
-            </a:r>
-            <a:endParaRPr lang="es-CL" dirty="0"/>
-          </a:p>
-        </p:txBody>
-      </p:sp>
-      <p:sp>
-        <p:nvSpPr>
-          <p:cNvPr id="3" name="2 Marcador de contenido"/>
-          <p:cNvSpPr>
-            <a:spLocks noGrp="1"/>
-          </p:cNvSpPr>
-          <p:nvPr>
-            <p:ph idx="1"/>
-          </p:nvPr>
-        </p:nvSpPr>
-        <p:spPr/>
+        <p:spPr>
+          <a:xfrm>
+            <a:off x="467544" y="183778"/>
+            <a:ext cx="7467600" cy="580926"/>
+          </a:xfrm>
+        </p:spPr>
         <p:txBody>
           <a:bodyPr>
-            <a:normAutofit/>
+            <a:normAutofit fontScale="90000"/>
           </a:bodyPr>
           <a:lstStyle/>
           <a:p>
             <a:r>
               <a:rPr lang="es-CL" dirty="0" smtClean="0"/>
-              <a:t>ASP.NET Web </a:t>
-            </a:r>
-            <a:r>
-              <a:rPr lang="es-CL" dirty="0" smtClean="0"/>
-              <a:t>API: Es </a:t>
-            </a:r>
-            <a:r>
-              <a:rPr lang="es-CL" dirty="0" smtClean="0"/>
-              <a:t>una plataforma ideal para compilar aplicaciones de </a:t>
-            </a:r>
-            <a:r>
-              <a:rPr lang="es-CL" dirty="0" err="1" smtClean="0"/>
-              <a:t>RESTful</a:t>
-            </a:r>
-            <a:r>
-              <a:rPr lang="es-CL" dirty="0" smtClean="0"/>
-              <a:t> </a:t>
-            </a:r>
-            <a:r>
-              <a:rPr lang="es-CL" dirty="0" smtClean="0"/>
-              <a:t>en .NET Framework. </a:t>
-            </a:r>
-            <a:r>
-              <a:rPr lang="es-CL" dirty="0" smtClean="0"/>
-              <a:t>Esta facilita </a:t>
-            </a:r>
-            <a:r>
-              <a:rPr lang="es-CL" dirty="0" smtClean="0"/>
-              <a:t>la compilación </a:t>
-            </a:r>
-            <a:r>
-              <a:rPr lang="es-CL" dirty="0" smtClean="0"/>
-              <a:t>de servicios </a:t>
-            </a:r>
-            <a:r>
-              <a:rPr lang="es-CL" dirty="0" smtClean="0"/>
-              <a:t>HTTP que llegan a una gran variedad de clientes, incluidos los exploradores y los dispositivos móviles). </a:t>
-            </a:r>
-          </a:p>
-          <a:p>
+              <a:t>Modelo Lógico</a:t>
+            </a:r>
             <a:endParaRPr lang="es-CL" dirty="0"/>
           </a:p>
         </p:txBody>
       </p:sp>
-    </p:spTree>
-  </p:cSld>
-  <p:clrMapOvr>
-    <a:masterClrMapping/>
-  </p:clrMapOvr>
-  <p:timing>
-    <p:tnLst>
-      <p:par>
-        <p:cTn id="1" dur="indefinite" restart="never" nodeType="tmRoot"/>
-      </p:par>
-    </p:tnLst>
-  </p:timing>
-</p:sld>
-</file>
-
-<file path=ppt/slides/slide12.xml><?xml version="1.0" encoding="utf-8"?>
-<p:sld xmlns:a="http://schemas.openxmlformats.org/drawingml/2006/main" xmlns:r="http://schemas.openxmlformats.org/officeDocument/2006/relationships" xmlns:p="http://schemas.openxmlformats.org/presentationml/2006/main">
-  <p:cSld>
-    <p:spTree>
-      <p:nvGrpSpPr>
-        <p:cNvPr id="1" name=""/>
-        <p:cNvGrpSpPr/>
-        <p:nvPr/>
-      </p:nvGrpSpPr>
-      <p:grpSpPr>
-        <a:xfrm>
-          <a:off x="0" y="0"/>
-          <a:ext cx="0" cy="0"/>
-          <a:chOff x="0" y="0"/>
-          <a:chExt cx="0" cy="0"/>
-        </a:xfrm>
-      </p:grpSpPr>
-      <p:sp>
-        <p:nvSpPr>
-          <p:cNvPr id="2" name="1 Título"/>
-          <p:cNvSpPr>
-            <a:spLocks noGrp="1"/>
-          </p:cNvSpPr>
-          <p:nvPr>
-            <p:ph type="title"/>
-          </p:nvPr>
-        </p:nvSpPr>
-        <p:spPr/>
-        <p:txBody>
-          <a:bodyPr/>
-          <a:lstStyle/>
-          <a:p>
-            <a:r>
-              <a:rPr lang="es-CL" dirty="0" smtClean="0"/>
-              <a:t>Web API vs WCF</a:t>
-            </a:r>
-            <a:endParaRPr lang="es-CL" dirty="0"/>
-          </a:p>
-        </p:txBody>
-      </p:sp>
-      <p:sp>
-        <p:nvSpPr>
-          <p:cNvPr id="3" name="2 Marcador de contenido"/>
-          <p:cNvSpPr>
-            <a:spLocks noGrp="1"/>
-          </p:cNvSpPr>
-          <p:nvPr>
-            <p:ph idx="1"/>
-          </p:nvPr>
-        </p:nvSpPr>
-        <p:spPr/>
-        <p:txBody>
-          <a:bodyPr/>
-          <a:lstStyle/>
-          <a:p>
-            <a:r>
-              <a:rPr lang="es-CL" dirty="0" smtClean="0"/>
-              <a:t>WCF es el modelo de programación unificado de Microsoft para compilar aplicaciones orientadas a servicios. Permite a los desarrolladores compilar soluciones con transacción segura y de confianza, que se integren en diferentes plataformas y que inter operen con las inversiones existentes.</a:t>
-            </a:r>
-          </a:p>
-          <a:p>
-            <a:endParaRPr lang="es-CL" dirty="0"/>
-          </a:p>
-        </p:txBody>
-      </p:sp>
-    </p:spTree>
-  </p:cSld>
-  <p:clrMapOvr>
-    <a:masterClrMapping/>
-  </p:clrMapOvr>
-  <p:timing>
-    <p:tnLst>
-      <p:par>
-        <p:cTn id="1" dur="indefinite" restart="never" nodeType="tmRoot"/>
-      </p:par>
-    </p:tnLst>
-  </p:timing>
-</p:sld>
-</file>
-
-<file path=ppt/slides/slide13.xml><?xml version="1.0" encoding="utf-8"?>
-<p:sld xmlns:a="http://schemas.openxmlformats.org/drawingml/2006/main" xmlns:r="http://schemas.openxmlformats.org/officeDocument/2006/relationships" xmlns:p="http://schemas.openxmlformats.org/presentationml/2006/main">
-  <p:cSld>
-    <p:spTree>
-      <p:nvGrpSpPr>
-        <p:cNvPr id="1" name=""/>
-        <p:cNvGrpSpPr/>
-        <p:nvPr/>
-      </p:nvGrpSpPr>
-      <p:grpSpPr>
-        <a:xfrm>
-          <a:off x="0" y="0"/>
-          <a:ext cx="0" cy="0"/>
-          <a:chOff x="0" y="0"/>
-          <a:chExt cx="0" cy="0"/>
-        </a:xfrm>
-      </p:grpSpPr>
-      <p:sp>
-        <p:nvSpPr>
-          <p:cNvPr id="2" name="1 Título"/>
-          <p:cNvSpPr>
-            <a:spLocks noGrp="1"/>
-          </p:cNvSpPr>
-          <p:nvPr>
-            <p:ph type="title"/>
-          </p:nvPr>
-        </p:nvSpPr>
-        <p:spPr/>
-        <p:txBody>
-          <a:bodyPr/>
-          <a:lstStyle/>
-          <a:p>
-            <a:r>
-              <a:rPr lang="es-CL" dirty="0" smtClean="0"/>
-              <a:t>Recomendación</a:t>
-            </a:r>
-            <a:endParaRPr lang="es-CL" dirty="0"/>
-          </a:p>
-        </p:txBody>
-      </p:sp>
-      <p:sp>
-        <p:nvSpPr>
-          <p:cNvPr id="3" name="2 Marcador de contenido"/>
-          <p:cNvSpPr>
-            <a:spLocks noGrp="1"/>
-          </p:cNvSpPr>
-          <p:nvPr>
-            <p:ph idx="1"/>
-          </p:nvPr>
-        </p:nvSpPr>
-        <p:spPr/>
-        <p:txBody>
-          <a:bodyPr>
-            <a:normAutofit fontScale="70000" lnSpcReduction="20000"/>
-          </a:bodyPr>
-          <a:lstStyle/>
-          <a:p>
-            <a:r>
-              <a:rPr lang="es-CL" dirty="0" smtClean="0"/>
-              <a:t>Use WCF para crear servicios web confiables y seguros que sean accesibles a través de una serie </a:t>
-            </a:r>
-            <a:r>
-              <a:rPr lang="es-CL" smtClean="0"/>
-              <a:t>de </a:t>
-            </a:r>
-            <a:r>
-              <a:rPr lang="es-CL" smtClean="0"/>
-              <a:t>transportes(TCP).</a:t>
-            </a:r>
-            <a:endParaRPr lang="es-CL" dirty="0" smtClean="0"/>
-          </a:p>
-          <a:p>
-            <a:endParaRPr lang="es-CL" dirty="0" smtClean="0"/>
-          </a:p>
-          <a:p>
-            <a:r>
-              <a:rPr lang="es-CL" dirty="0" smtClean="0"/>
-              <a:t>Use ASP.NET Web API para crear servicios basados en HTTP que sean accesibles desde una gran variedad de clientes. </a:t>
-            </a:r>
-          </a:p>
-          <a:p>
-            <a:r>
-              <a:rPr lang="es-CL" dirty="0" smtClean="0"/>
-              <a:t>Use ASP.NET Web API si crea y diseña nuevos servicios de tipo REST. Aunque WCF proporciona cierta compatibilidad para escribir servicios de tipo REST, la compatibilidad para REST en ASP.NET Web API es más completa y </a:t>
-            </a:r>
-            <a:r>
-              <a:rPr lang="es-CL" b="1" dirty="0" smtClean="0"/>
-              <a:t>todas las futuras mejoras de las características de REST se llevarán a cabo en ASP.NET Web API</a:t>
-            </a:r>
-            <a:r>
-              <a:rPr lang="es-CL" dirty="0" smtClean="0"/>
-              <a:t>. </a:t>
-            </a:r>
-          </a:p>
-          <a:p>
-            <a:endParaRPr lang="es-CL" dirty="0" smtClean="0"/>
-          </a:p>
-          <a:p>
-            <a:endParaRPr lang="es-CL" dirty="0"/>
-          </a:p>
-        </p:txBody>
-      </p:sp>
+      <p:cxnSp>
+        <p:nvCxnSpPr>
+          <p:cNvPr id="17" name="16 Conector recto de flecha"/>
+          <p:cNvCxnSpPr/>
+          <p:nvPr/>
+        </p:nvCxnSpPr>
+        <p:spPr>
+          <a:xfrm>
+            <a:off x="3059832" y="1556792"/>
+            <a:ext cx="0" cy="360040"/>
+          </a:xfrm>
+          <a:prstGeom prst="straightConnector1">
+            <a:avLst/>
+          </a:prstGeom>
+          <a:ln>
+            <a:tailEnd type="arrow"/>
+          </a:ln>
+        </p:spPr>
+        <p:style>
+          <a:lnRef idx="1">
+            <a:schemeClr val="accent1"/>
+          </a:lnRef>
+          <a:fillRef idx="0">
+            <a:schemeClr val="accent1"/>
+          </a:fillRef>
+          <a:effectRef idx="0">
+            <a:schemeClr val="accent1"/>
+          </a:effectRef>
+          <a:fontRef idx="minor">
+            <a:schemeClr val="tx1"/>
+          </a:fontRef>
+        </p:style>
+      </p:cxnSp>
+      <p:cxnSp>
+        <p:nvCxnSpPr>
+          <p:cNvPr id="24" name="23 Conector recto de flecha"/>
+          <p:cNvCxnSpPr/>
+          <p:nvPr/>
+        </p:nvCxnSpPr>
+        <p:spPr>
+          <a:xfrm flipV="1">
+            <a:off x="5292080" y="1556792"/>
+            <a:ext cx="0" cy="360040"/>
+          </a:xfrm>
+          <a:prstGeom prst="straightConnector1">
+            <a:avLst/>
+          </a:prstGeom>
+          <a:ln>
+            <a:tailEnd type="arrow"/>
+          </a:ln>
+        </p:spPr>
+        <p:style>
+          <a:lnRef idx="1">
+            <a:schemeClr val="accent1"/>
+          </a:lnRef>
+          <a:fillRef idx="0">
+            <a:schemeClr val="accent1"/>
+          </a:fillRef>
+          <a:effectRef idx="0">
+            <a:schemeClr val="accent1"/>
+          </a:effectRef>
+          <a:fontRef idx="minor">
+            <a:schemeClr val="tx1"/>
+          </a:fontRef>
+        </p:style>
+      </p:cxnSp>
+      <p:cxnSp>
+        <p:nvCxnSpPr>
+          <p:cNvPr id="26" name="25 Conector recto de flecha"/>
+          <p:cNvCxnSpPr/>
+          <p:nvPr/>
+        </p:nvCxnSpPr>
+        <p:spPr>
+          <a:xfrm>
+            <a:off x="3059832" y="3717032"/>
+            <a:ext cx="0" cy="360040"/>
+          </a:xfrm>
+          <a:prstGeom prst="straightConnector1">
+            <a:avLst/>
+          </a:prstGeom>
+          <a:ln>
+            <a:tailEnd type="arrow"/>
+          </a:ln>
+        </p:spPr>
+        <p:style>
+          <a:lnRef idx="1">
+            <a:schemeClr val="accent1"/>
+          </a:lnRef>
+          <a:fillRef idx="0">
+            <a:schemeClr val="accent1"/>
+          </a:fillRef>
+          <a:effectRef idx="0">
+            <a:schemeClr val="accent1"/>
+          </a:effectRef>
+          <a:fontRef idx="minor">
+            <a:schemeClr val="tx1"/>
+          </a:fontRef>
+        </p:style>
+      </p:cxnSp>
+      <p:cxnSp>
+        <p:nvCxnSpPr>
+          <p:cNvPr id="28" name="27 Conector recto de flecha"/>
+          <p:cNvCxnSpPr/>
+          <p:nvPr/>
+        </p:nvCxnSpPr>
+        <p:spPr>
+          <a:xfrm flipV="1">
+            <a:off x="5220072" y="3717032"/>
+            <a:ext cx="0" cy="360040"/>
+          </a:xfrm>
+          <a:prstGeom prst="straightConnector1">
+            <a:avLst/>
+          </a:prstGeom>
+          <a:ln>
+            <a:tailEnd type="arrow"/>
+          </a:ln>
+        </p:spPr>
+        <p:style>
+          <a:lnRef idx="1">
+            <a:schemeClr val="accent1"/>
+          </a:lnRef>
+          <a:fillRef idx="0">
+            <a:schemeClr val="accent1"/>
+          </a:fillRef>
+          <a:effectRef idx="0">
+            <a:schemeClr val="accent1"/>
+          </a:effectRef>
+          <a:fontRef idx="minor">
+            <a:schemeClr val="tx1"/>
+          </a:fontRef>
+        </p:style>
+      </p:cxnSp>
+      <p:cxnSp>
+        <p:nvCxnSpPr>
+          <p:cNvPr id="30" name="29 Conector recto de flecha"/>
+          <p:cNvCxnSpPr/>
+          <p:nvPr/>
+        </p:nvCxnSpPr>
+        <p:spPr>
+          <a:xfrm flipV="1">
+            <a:off x="4788024" y="5085184"/>
+            <a:ext cx="0" cy="576064"/>
+          </a:xfrm>
+          <a:prstGeom prst="straightConnector1">
+            <a:avLst/>
+          </a:prstGeom>
+          <a:ln>
+            <a:tailEnd type="arrow"/>
+          </a:ln>
+        </p:spPr>
+        <p:style>
+          <a:lnRef idx="1">
+            <a:schemeClr val="accent1"/>
+          </a:lnRef>
+          <a:fillRef idx="0">
+            <a:schemeClr val="accent1"/>
+          </a:fillRef>
+          <a:effectRef idx="0">
+            <a:schemeClr val="accent1"/>
+          </a:effectRef>
+          <a:fontRef idx="minor">
+            <a:schemeClr val="tx1"/>
+          </a:fontRef>
+        </p:style>
+      </p:cxnSp>
     </p:spTree>
   </p:cSld>
   <p:clrMapOvr>
@@ -5219,45 +5570,60 @@
         <p:spPr/>
         <p:txBody>
           <a:bodyPr>
-            <a:normAutofit fontScale="92500" lnSpcReduction="10000"/>
+            <a:normAutofit/>
           </a:bodyPr>
           <a:lstStyle/>
           <a:p>
             <a:r>
               <a:rPr lang="es-ES" dirty="0" smtClean="0"/>
-              <a:t>El presente trabajo describe detalladamente el proceso seguido para el desarrollo del proyecto  SIAF, donde se trataran los siguientes puntos.</a:t>
-            </a:r>
-          </a:p>
-          <a:p>
+              <a:t>Diseño modelo lógico:</a:t>
+            </a:r>
+          </a:p>
+          <a:p>
+            <a:pPr lvl="1"/>
+            <a:r>
+              <a:rPr lang="es-ES" dirty="0" smtClean="0"/>
+              <a:t>Modelo 3 capas</a:t>
+            </a:r>
+          </a:p>
+          <a:p>
+            <a:pPr lvl="1"/>
+            <a:r>
+              <a:rPr lang="es-ES" dirty="0" err="1" smtClean="0"/>
+              <a:t>RESTful</a:t>
+            </a:r>
             <a:endParaRPr lang="es-ES" dirty="0" smtClean="0"/>
           </a:p>
           <a:p>
+            <a:pPr lvl="1"/>
             <a:r>
               <a:rPr lang="es-ES" dirty="0" smtClean="0"/>
-              <a:t>Toma de requerimiento.</a:t>
-            </a:r>
-          </a:p>
-          <a:p>
+              <a:t>Web API .NET</a:t>
+            </a:r>
+          </a:p>
+          <a:p>
+            <a:pPr lvl="1"/>
             <a:r>
               <a:rPr lang="es-ES" dirty="0" smtClean="0"/>
-              <a:t>Identificación de requerimientos Funcionales y No Funcionales.</a:t>
-            </a:r>
-          </a:p>
-          <a:p>
+              <a:t>Entity Framework</a:t>
+            </a:r>
+          </a:p>
+          <a:p>
+            <a:pPr lvl="1"/>
             <a:r>
               <a:rPr lang="es-ES" dirty="0" smtClean="0"/>
-              <a:t>Modelo Caso de Uso</a:t>
-            </a:r>
-            <a:endParaRPr lang="es-ES" dirty="0" smtClean="0"/>
-          </a:p>
-          <a:p>
+              <a:t>ADO .NET</a:t>
+            </a:r>
+          </a:p>
+          <a:p>
+            <a:pPr lvl="1"/>
             <a:r>
               <a:rPr lang="es-ES" dirty="0" smtClean="0"/>
-              <a:t>Metodología Lógica.</a:t>
-            </a:r>
-            <a:endParaRPr lang="es-ES" dirty="0" smtClean="0"/>
-          </a:p>
-          <a:p>
+              <a:t>Proceso Almacenados</a:t>
+            </a:r>
+          </a:p>
+          <a:p>
+            <a:pPr lvl="1"/>
             <a:endParaRPr lang="es-ES" dirty="0" smtClean="0"/>
           </a:p>
           <a:p>
@@ -5305,7 +5671,362 @@
       </p:grpSpPr>
       <p:sp>
         <p:nvSpPr>
-          <p:cNvPr id="2" name="1 Título"/>
+          <p:cNvPr id="21" name="20 Rectángulo"/>
+          <p:cNvSpPr/>
+          <p:nvPr/>
+        </p:nvSpPr>
+        <p:spPr>
+          <a:xfrm>
+            <a:off x="1403648" y="1916832"/>
+            <a:ext cx="6048672" cy="1800200"/>
+          </a:xfrm>
+          <a:prstGeom prst="rect">
+            <a:avLst/>
+          </a:prstGeom>
+          <a:solidFill>
+            <a:schemeClr val="accent1">
+              <a:lumMod val="40000"/>
+              <a:lumOff val="60000"/>
+            </a:schemeClr>
+          </a:solidFill>
+        </p:spPr>
+        <p:style>
+          <a:lnRef idx="2">
+            <a:schemeClr val="accent1">
+              <a:shade val="50000"/>
+            </a:schemeClr>
+          </a:lnRef>
+          <a:fillRef idx="1">
+            <a:schemeClr val="accent1"/>
+          </a:fillRef>
+          <a:effectRef idx="0">
+            <a:schemeClr val="accent1"/>
+          </a:effectRef>
+          <a:fontRef idx="minor">
+            <a:schemeClr val="lt1"/>
+          </a:fontRef>
+        </p:style>
+        <p:txBody>
+          <a:bodyPr rtlCol="0" anchor="ctr"/>
+          <a:lstStyle/>
+          <a:p>
+            <a:pPr algn="ctr"/>
+            <a:endParaRPr lang="es-CL"/>
+          </a:p>
+        </p:txBody>
+      </p:sp>
+      <p:sp>
+        <p:nvSpPr>
+          <p:cNvPr id="9" name="8 Rectángulo"/>
+          <p:cNvSpPr/>
+          <p:nvPr/>
+        </p:nvSpPr>
+        <p:spPr>
+          <a:xfrm>
+            <a:off x="1547664" y="980728"/>
+            <a:ext cx="5760640" cy="576064"/>
+          </a:xfrm>
+          <a:prstGeom prst="rect">
+            <a:avLst/>
+          </a:prstGeom>
+        </p:spPr>
+        <p:style>
+          <a:lnRef idx="2">
+            <a:schemeClr val="accent1">
+              <a:shade val="50000"/>
+            </a:schemeClr>
+          </a:lnRef>
+          <a:fillRef idx="1">
+            <a:schemeClr val="accent1"/>
+          </a:fillRef>
+          <a:effectRef idx="0">
+            <a:schemeClr val="accent1"/>
+          </a:effectRef>
+          <a:fontRef idx="minor">
+            <a:schemeClr val="lt1"/>
+          </a:fontRef>
+        </p:style>
+        <p:txBody>
+          <a:bodyPr rtlCol="0" anchor="ctr"/>
+          <a:lstStyle/>
+          <a:p>
+            <a:r>
+              <a:rPr lang="es-CL" dirty="0" smtClean="0"/>
+              <a:t>Interfaz Web</a:t>
+            </a:r>
+          </a:p>
+          <a:p>
+            <a:pPr algn="ctr"/>
+            <a:r>
+              <a:rPr lang="es-CL" dirty="0" smtClean="0"/>
+              <a:t>WebForm .</a:t>
+            </a:r>
+            <a:r>
+              <a:rPr lang="es-CL" dirty="0" smtClean="0"/>
+              <a:t>NET – ( HTTP / CSS )</a:t>
+            </a:r>
+            <a:endParaRPr lang="es-CL" dirty="0"/>
+          </a:p>
+        </p:txBody>
+      </p:sp>
+      <p:sp>
+        <p:nvSpPr>
+          <p:cNvPr id="11" name="10 Rectángulo"/>
+          <p:cNvSpPr/>
+          <p:nvPr/>
+        </p:nvSpPr>
+        <p:spPr>
+          <a:xfrm>
+            <a:off x="1547664" y="1988840"/>
+            <a:ext cx="5760640" cy="504056"/>
+          </a:xfrm>
+          <a:prstGeom prst="rect">
+            <a:avLst/>
+          </a:prstGeom>
+        </p:spPr>
+        <p:style>
+          <a:lnRef idx="2">
+            <a:schemeClr val="accent1">
+              <a:shade val="50000"/>
+            </a:schemeClr>
+          </a:lnRef>
+          <a:fillRef idx="1">
+            <a:schemeClr val="accent1"/>
+          </a:fillRef>
+          <a:effectRef idx="0">
+            <a:schemeClr val="accent1"/>
+          </a:effectRef>
+          <a:fontRef idx="minor">
+            <a:schemeClr val="lt1"/>
+          </a:fontRef>
+        </p:style>
+        <p:txBody>
+          <a:bodyPr rtlCol="0" anchor="ctr"/>
+          <a:lstStyle/>
+          <a:p>
+            <a:r>
+              <a:rPr lang="es-CL" dirty="0" smtClean="0"/>
+              <a:t>Interfaces de Servicio</a:t>
+            </a:r>
+          </a:p>
+          <a:p>
+            <a:pPr algn="ctr"/>
+            <a:r>
+              <a:rPr lang="es-CL" dirty="0" smtClean="0"/>
+              <a:t>Web API </a:t>
+            </a:r>
+            <a:r>
+              <a:rPr lang="es-CL" dirty="0" smtClean="0"/>
+              <a:t>- ASP.NET</a:t>
+            </a:r>
+            <a:endParaRPr lang="es-CL" dirty="0"/>
+          </a:p>
+        </p:txBody>
+      </p:sp>
+      <p:sp>
+        <p:nvSpPr>
+          <p:cNvPr id="12" name="11 Rectángulo"/>
+          <p:cNvSpPr/>
+          <p:nvPr/>
+        </p:nvSpPr>
+        <p:spPr>
+          <a:xfrm>
+            <a:off x="1547664" y="2636912"/>
+            <a:ext cx="5760640" cy="1008112"/>
+          </a:xfrm>
+          <a:prstGeom prst="rect">
+            <a:avLst/>
+          </a:prstGeom>
+        </p:spPr>
+        <p:style>
+          <a:lnRef idx="2">
+            <a:schemeClr val="accent1">
+              <a:shade val="50000"/>
+            </a:schemeClr>
+          </a:lnRef>
+          <a:fillRef idx="1">
+            <a:schemeClr val="accent1"/>
+          </a:fillRef>
+          <a:effectRef idx="0">
+            <a:schemeClr val="accent1"/>
+          </a:effectRef>
+          <a:fontRef idx="minor">
+            <a:schemeClr val="lt1"/>
+          </a:fontRef>
+        </p:style>
+        <p:txBody>
+          <a:bodyPr rtlCol="0" anchor="ctr"/>
+          <a:lstStyle/>
+          <a:p>
+            <a:r>
+              <a:rPr lang="es-CL" dirty="0" smtClean="0"/>
+              <a:t>Capa Negocio</a:t>
+            </a:r>
+          </a:p>
+          <a:p>
+            <a:pPr algn="ctr"/>
+            <a:r>
+              <a:rPr lang="es-CL" dirty="0" smtClean="0"/>
+              <a:t>Clase </a:t>
+            </a:r>
+            <a:r>
+              <a:rPr lang="es-CL" dirty="0" smtClean="0"/>
+              <a:t>Negocios</a:t>
+            </a:r>
+          </a:p>
+          <a:p>
+            <a:pPr algn="ctr"/>
+            <a:r>
+              <a:rPr lang="es-CL" dirty="0" smtClean="0"/>
+              <a:t>Clases #C</a:t>
+            </a:r>
+            <a:endParaRPr lang="es-CL" dirty="0" smtClean="0"/>
+          </a:p>
+          <a:p>
+            <a:endParaRPr lang="es-CL" dirty="0" smtClean="0"/>
+          </a:p>
+        </p:txBody>
+      </p:sp>
+      <p:sp>
+        <p:nvSpPr>
+          <p:cNvPr id="14" name="13 Rectángulo"/>
+          <p:cNvSpPr/>
+          <p:nvPr/>
+        </p:nvSpPr>
+        <p:spPr>
+          <a:xfrm>
+            <a:off x="1547664" y="4077072"/>
+            <a:ext cx="5760640" cy="1008112"/>
+          </a:xfrm>
+          <a:prstGeom prst="rect">
+            <a:avLst/>
+          </a:prstGeom>
+        </p:spPr>
+        <p:style>
+          <a:lnRef idx="2">
+            <a:schemeClr val="accent1">
+              <a:shade val="50000"/>
+            </a:schemeClr>
+          </a:lnRef>
+          <a:fillRef idx="1">
+            <a:schemeClr val="accent1"/>
+          </a:fillRef>
+          <a:effectRef idx="0">
+            <a:schemeClr val="accent1"/>
+          </a:effectRef>
+          <a:fontRef idx="minor">
+            <a:schemeClr val="lt1"/>
+          </a:fontRef>
+        </p:style>
+        <p:txBody>
+          <a:bodyPr rtlCol="0" anchor="ctr"/>
+          <a:lstStyle/>
+          <a:p>
+            <a:r>
+              <a:rPr lang="es-CL" dirty="0" smtClean="0"/>
+              <a:t>Capa  Datos</a:t>
+            </a:r>
+          </a:p>
+          <a:p>
+            <a:pPr algn="ctr"/>
+            <a:r>
+              <a:rPr lang="es-CL" dirty="0" smtClean="0"/>
+              <a:t>Entity Framework</a:t>
+            </a:r>
+          </a:p>
+          <a:p>
+            <a:pPr algn="ctr"/>
+            <a:r>
+              <a:rPr lang="es-CL" dirty="0" smtClean="0"/>
+              <a:t>ADO.NET - Procedimientos Almacenados</a:t>
+            </a:r>
+            <a:endParaRPr lang="es-CL" dirty="0" smtClean="0"/>
+          </a:p>
+          <a:p>
+            <a:endParaRPr lang="es-CL" dirty="0" smtClean="0"/>
+          </a:p>
+        </p:txBody>
+      </p:sp>
+      <p:sp>
+        <p:nvSpPr>
+          <p:cNvPr id="15" name="14 Disco magnético"/>
+          <p:cNvSpPr/>
+          <p:nvPr/>
+        </p:nvSpPr>
+        <p:spPr>
+          <a:xfrm>
+            <a:off x="3203848" y="5661248"/>
+            <a:ext cx="1944216" cy="1152128"/>
+          </a:xfrm>
+          <a:prstGeom prst="flowChartMagneticDisk">
+            <a:avLst/>
+          </a:prstGeom>
+        </p:spPr>
+        <p:style>
+          <a:lnRef idx="2">
+            <a:schemeClr val="accent1">
+              <a:shade val="50000"/>
+            </a:schemeClr>
+          </a:lnRef>
+          <a:fillRef idx="1">
+            <a:schemeClr val="accent1"/>
+          </a:fillRef>
+          <a:effectRef idx="0">
+            <a:schemeClr val="accent1"/>
+          </a:effectRef>
+          <a:fontRef idx="minor">
+            <a:schemeClr val="lt1"/>
+          </a:fontRef>
+        </p:style>
+        <p:txBody>
+          <a:bodyPr rtlCol="0" anchor="ctr"/>
+          <a:lstStyle/>
+          <a:p>
+            <a:pPr algn="ctr"/>
+            <a:r>
+              <a:rPr lang="es-CL" dirty="0" smtClean="0"/>
+              <a:t>SQL</a:t>
+            </a:r>
+            <a:endParaRPr lang="es-CL" dirty="0"/>
+          </a:p>
+        </p:txBody>
+      </p:sp>
+      <p:cxnSp>
+        <p:nvCxnSpPr>
+          <p:cNvPr id="19" name="18 Conector recto de flecha"/>
+          <p:cNvCxnSpPr/>
+          <p:nvPr/>
+        </p:nvCxnSpPr>
+        <p:spPr>
+          <a:xfrm>
+            <a:off x="3563888" y="5085184"/>
+            <a:ext cx="0" cy="576064"/>
+          </a:xfrm>
+          <a:prstGeom prst="straightConnector1">
+            <a:avLst/>
+          </a:prstGeom>
+          <a:ln>
+            <a:tailEnd type="arrow"/>
+          </a:ln>
+        </p:spPr>
+        <p:style>
+          <a:lnRef idx="1">
+            <a:schemeClr val="accent1"/>
+          </a:lnRef>
+          <a:fillRef idx="0">
+            <a:schemeClr val="accent1"/>
+          </a:fillRef>
+          <a:effectRef idx="0">
+            <a:schemeClr val="accent1"/>
+          </a:effectRef>
+          <a:fontRef idx="minor">
+            <a:schemeClr val="tx1"/>
+          </a:fontRef>
+        </p:style>
+      </p:cxnSp>
+      <p:sp>
+        <p:nvSpPr>
+          <p:cNvPr id="23" name="1 Título"/>
           <p:cNvSpPr>
             <a:spLocks noGrp="1"/>
           </p:cNvSpPr>
@@ -5313,80 +6034,192 @@
             <p:ph type="title"/>
           </p:nvPr>
         </p:nvSpPr>
-        <p:spPr/>
-        <p:txBody>
-          <a:bodyPr/>
+        <p:spPr>
+          <a:xfrm>
+            <a:off x="467544" y="183778"/>
+            <a:ext cx="7467600" cy="580926"/>
+          </a:xfrm>
+        </p:spPr>
+        <p:txBody>
+          <a:bodyPr>
+            <a:normAutofit fontScale="90000"/>
+          </a:bodyPr>
           <a:lstStyle/>
           <a:p>
             <a:r>
               <a:rPr lang="es-CL" dirty="0" smtClean="0"/>
-              <a:t>Necesidad</a:t>
+              <a:t>Modelo Lógico</a:t>
             </a:r>
             <a:endParaRPr lang="es-CL" dirty="0"/>
           </a:p>
         </p:txBody>
       </p:sp>
-      <p:sp>
-        <p:nvSpPr>
-          <p:cNvPr id="3" name="2 Marcador de contenido"/>
-          <p:cNvSpPr>
-            <a:spLocks noGrp="1"/>
-          </p:cNvSpPr>
-          <p:nvPr>
-            <p:ph idx="1"/>
-          </p:nvPr>
-        </p:nvSpPr>
-        <p:spPr/>
-        <p:txBody>
-          <a:bodyPr/>
-          <a:lstStyle/>
-          <a:p>
-            <a:r>
-              <a:rPr lang="es-ES_tradnl" dirty="0" smtClean="0"/>
-              <a:t>Esta nace por medio de negoció PYME de Ferretería la cual requiere </a:t>
-            </a:r>
-            <a:r>
-              <a:rPr lang="es-ES_tradnl" dirty="0"/>
-              <a:t>un software </a:t>
-            </a:r>
-            <a:r>
-              <a:rPr lang="es-ES_tradnl" dirty="0" smtClean="0"/>
-              <a:t>de apoyo que </a:t>
-            </a:r>
-            <a:r>
-              <a:rPr lang="es-ES_tradnl" dirty="0"/>
-              <a:t>les </a:t>
-            </a:r>
-            <a:r>
-              <a:rPr lang="es-ES_tradnl"/>
-              <a:t>permita </a:t>
-            </a:r>
-            <a:r>
-              <a:rPr lang="es-ES_tradnl" smtClean="0"/>
-              <a:t>gestionar </a:t>
-            </a:r>
-            <a:r>
-              <a:rPr lang="es-ES_tradnl" dirty="0" smtClean="0"/>
-              <a:t>la toma de decisiones con  sus </a:t>
-            </a:r>
-            <a:r>
-              <a:rPr lang="es-ES_tradnl" dirty="0"/>
-              <a:t>distintos locales o sucursales con respecto a sus ventas y  los insumos de sus </a:t>
-            </a:r>
-            <a:r>
-              <a:rPr lang="es-ES_tradnl" dirty="0" smtClean="0"/>
-              <a:t>bodega.</a:t>
-            </a:r>
-            <a:endParaRPr lang="es-CL" dirty="0"/>
-          </a:p>
-        </p:txBody>
-      </p:sp>
+      <p:cxnSp>
+        <p:nvCxnSpPr>
+          <p:cNvPr id="17" name="16 Conector recto de flecha"/>
+          <p:cNvCxnSpPr/>
+          <p:nvPr/>
+        </p:nvCxnSpPr>
+        <p:spPr>
+          <a:xfrm>
+            <a:off x="3059832" y="1556792"/>
+            <a:ext cx="0" cy="360040"/>
+          </a:xfrm>
+          <a:prstGeom prst="straightConnector1">
+            <a:avLst/>
+          </a:prstGeom>
+          <a:ln>
+            <a:tailEnd type="arrow"/>
+          </a:ln>
+        </p:spPr>
+        <p:style>
+          <a:lnRef idx="1">
+            <a:schemeClr val="accent1"/>
+          </a:lnRef>
+          <a:fillRef idx="0">
+            <a:schemeClr val="accent1"/>
+          </a:fillRef>
+          <a:effectRef idx="0">
+            <a:schemeClr val="accent1"/>
+          </a:effectRef>
+          <a:fontRef idx="minor">
+            <a:schemeClr val="tx1"/>
+          </a:fontRef>
+        </p:style>
+      </p:cxnSp>
+      <p:cxnSp>
+        <p:nvCxnSpPr>
+          <p:cNvPr id="24" name="23 Conector recto de flecha"/>
+          <p:cNvCxnSpPr/>
+          <p:nvPr/>
+        </p:nvCxnSpPr>
+        <p:spPr>
+          <a:xfrm flipV="1">
+            <a:off x="5292080" y="1556792"/>
+            <a:ext cx="0" cy="360040"/>
+          </a:xfrm>
+          <a:prstGeom prst="straightConnector1">
+            <a:avLst/>
+          </a:prstGeom>
+          <a:ln>
+            <a:tailEnd type="arrow"/>
+          </a:ln>
+        </p:spPr>
+        <p:style>
+          <a:lnRef idx="1">
+            <a:schemeClr val="accent1"/>
+          </a:lnRef>
+          <a:fillRef idx="0">
+            <a:schemeClr val="accent1"/>
+          </a:fillRef>
+          <a:effectRef idx="0">
+            <a:schemeClr val="accent1"/>
+          </a:effectRef>
+          <a:fontRef idx="minor">
+            <a:schemeClr val="tx1"/>
+          </a:fontRef>
+        </p:style>
+      </p:cxnSp>
+      <p:cxnSp>
+        <p:nvCxnSpPr>
+          <p:cNvPr id="26" name="25 Conector recto de flecha"/>
+          <p:cNvCxnSpPr/>
+          <p:nvPr/>
+        </p:nvCxnSpPr>
+        <p:spPr>
+          <a:xfrm>
+            <a:off x="3059832" y="3717032"/>
+            <a:ext cx="0" cy="360040"/>
+          </a:xfrm>
+          <a:prstGeom prst="straightConnector1">
+            <a:avLst/>
+          </a:prstGeom>
+          <a:ln>
+            <a:tailEnd type="arrow"/>
+          </a:ln>
+        </p:spPr>
+        <p:style>
+          <a:lnRef idx="1">
+            <a:schemeClr val="accent1"/>
+          </a:lnRef>
+          <a:fillRef idx="0">
+            <a:schemeClr val="accent1"/>
+          </a:fillRef>
+          <a:effectRef idx="0">
+            <a:schemeClr val="accent1"/>
+          </a:effectRef>
+          <a:fontRef idx="minor">
+            <a:schemeClr val="tx1"/>
+          </a:fontRef>
+        </p:style>
+      </p:cxnSp>
+      <p:cxnSp>
+        <p:nvCxnSpPr>
+          <p:cNvPr id="28" name="27 Conector recto de flecha"/>
+          <p:cNvCxnSpPr/>
+          <p:nvPr/>
+        </p:nvCxnSpPr>
+        <p:spPr>
+          <a:xfrm flipV="1">
+            <a:off x="5220072" y="3717032"/>
+            <a:ext cx="0" cy="360040"/>
+          </a:xfrm>
+          <a:prstGeom prst="straightConnector1">
+            <a:avLst/>
+          </a:prstGeom>
+          <a:ln>
+            <a:tailEnd type="arrow"/>
+          </a:ln>
+        </p:spPr>
+        <p:style>
+          <a:lnRef idx="1">
+            <a:schemeClr val="accent1"/>
+          </a:lnRef>
+          <a:fillRef idx="0">
+            <a:schemeClr val="accent1"/>
+          </a:fillRef>
+          <a:effectRef idx="0">
+            <a:schemeClr val="accent1"/>
+          </a:effectRef>
+          <a:fontRef idx="minor">
+            <a:schemeClr val="tx1"/>
+          </a:fontRef>
+        </p:style>
+      </p:cxnSp>
+      <p:cxnSp>
+        <p:nvCxnSpPr>
+          <p:cNvPr id="30" name="29 Conector recto de flecha"/>
+          <p:cNvCxnSpPr/>
+          <p:nvPr/>
+        </p:nvCxnSpPr>
+        <p:spPr>
+          <a:xfrm flipV="1">
+            <a:off x="4788024" y="5085184"/>
+            <a:ext cx="0" cy="576064"/>
+          </a:xfrm>
+          <a:prstGeom prst="straightConnector1">
+            <a:avLst/>
+          </a:prstGeom>
+          <a:ln>
+            <a:tailEnd type="arrow"/>
+          </a:ln>
+        </p:spPr>
+        <p:style>
+          <a:lnRef idx="1">
+            <a:schemeClr val="accent1"/>
+          </a:lnRef>
+          <a:fillRef idx="0">
+            <a:schemeClr val="accent1"/>
+          </a:fillRef>
+          <a:effectRef idx="0">
+            <a:schemeClr val="accent1"/>
+          </a:effectRef>
+          <a:fontRef idx="minor">
+            <a:schemeClr val="tx1"/>
+          </a:fontRef>
+        </p:style>
+      </p:cxnSp>
     </p:spTree>
-    <p:extLst>
-      <p:ext uri="{BB962C8B-B14F-4D97-AF65-F5344CB8AC3E}">
-        <p14:creationId xmlns:p14="http://schemas.microsoft.com/office/powerpoint/2010/main" xmlns="" val="2416979603"/>
-      </p:ext>
-    </p:extLst>
   </p:cSld>
   <p:clrMapOvr>
     <a:masterClrMapping/>
@@ -5435,7 +6268,7 @@
           <a:p>
             <a:r>
               <a:rPr lang="es-CL" dirty="0" smtClean="0"/>
-              <a:t>Propósito</a:t>
+              <a:t>Diferencia REST - SOAP</a:t>
             </a:r>
             <a:endParaRPr lang="es-CL" dirty="0"/>
           </a:p>
@@ -5453,45 +6286,93 @@
         </p:nvSpPr>
         <p:spPr/>
         <p:txBody>
-          <a:bodyPr/>
+          <a:bodyPr>
+            <a:normAutofit fontScale="85000" lnSpcReduction="20000"/>
+          </a:bodyPr>
           <a:lstStyle/>
           <a:p>
             <a:r>
-              <a:rPr lang="es-CL" dirty="0"/>
-              <a:t>Generar una </a:t>
-            </a:r>
-            <a:r>
               <a:rPr lang="es-CL" dirty="0" smtClean="0"/>
-              <a:t>plataforma de apoyo para locales </a:t>
-            </a:r>
-            <a:r>
-              <a:rPr lang="es-CL" dirty="0"/>
-              <a:t>de ferretería con la finalidad de:</a:t>
-            </a:r>
-          </a:p>
-          <a:p>
-            <a:pPr lvl="1"/>
-            <a:r>
-              <a:rPr lang="es-CL" dirty="0"/>
-              <a:t>Mejorar procesos  de  entradas y salidas de insumos.</a:t>
-            </a:r>
-          </a:p>
-          <a:p>
-            <a:pPr lvl="1"/>
-            <a:r>
-              <a:rPr lang="es-CL" dirty="0"/>
-              <a:t>Centralizar la información para el apoyo en la administración de las sucursales.</a:t>
-            </a:r>
-          </a:p>
-          <a:p>
-            <a:pPr lvl="1"/>
-            <a:r>
-              <a:rPr lang="es-CL" dirty="0"/>
-              <a:t>Ahorrar horas hombre del personal en logística.</a:t>
-            </a:r>
-          </a:p>
-          <a:p>
-            <a:endParaRPr lang="es-CL" dirty="0" smtClean="0"/>
+              <a:t>SOAP (Simple </a:t>
+            </a:r>
+            <a:r>
+              <a:rPr lang="es-CL" dirty="0" err="1" smtClean="0"/>
+              <a:t>Object</a:t>
+            </a:r>
+            <a:r>
+              <a:rPr lang="es-CL" dirty="0" smtClean="0"/>
+              <a:t> Access </a:t>
+            </a:r>
+            <a:r>
+              <a:rPr lang="es-CL" dirty="0" err="1" smtClean="0"/>
+              <a:t>Protocol</a:t>
+            </a:r>
+            <a:r>
+              <a:rPr lang="es-CL" dirty="0" smtClean="0"/>
+              <a:t>):  Enfocado a la comunicación XML, ideal para proyecto con datos definidos de entrada y salida, </a:t>
+            </a:r>
+            <a:r>
+              <a:rPr lang="es-CL" dirty="0" smtClean="0"/>
+              <a:t>son de mayor </a:t>
+            </a:r>
+            <a:r>
+              <a:rPr lang="es-CL" dirty="0" smtClean="0"/>
+              <a:t>seguridad.</a:t>
+            </a:r>
+          </a:p>
+          <a:p>
+            <a:r>
+              <a:rPr lang="es-CL" dirty="0" smtClean="0"/>
+              <a:t>REST(</a:t>
+            </a:r>
+            <a:r>
+              <a:rPr lang="es-CL" dirty="0" err="1" smtClean="0"/>
+              <a:t>Representation</a:t>
+            </a:r>
+            <a:r>
+              <a:rPr lang="es-CL" dirty="0" smtClean="0"/>
+              <a:t> </a:t>
+            </a:r>
+            <a:r>
+              <a:rPr lang="es-CL" dirty="0" err="1" smtClean="0"/>
+              <a:t>State</a:t>
+            </a:r>
+            <a:r>
+              <a:rPr lang="es-CL" dirty="0" smtClean="0"/>
+              <a:t> Transfer): Esta arquitectura de software esta enfocada a sistemas distribuidos web, se centra en el uso de los </a:t>
+            </a:r>
+            <a:r>
+              <a:rPr lang="es-CL" dirty="0" err="1" smtClean="0"/>
+              <a:t>estandares</a:t>
+            </a:r>
+            <a:r>
+              <a:rPr lang="es-CL" dirty="0" smtClean="0"/>
+              <a:t> HTML y XML. </a:t>
+            </a:r>
+          </a:p>
+          <a:p>
+            <a:r>
+              <a:rPr lang="es-CL" dirty="0" smtClean="0"/>
+              <a:t>Las </a:t>
+            </a:r>
+            <a:r>
+              <a:rPr lang="es-CL" dirty="0" smtClean="0"/>
+              <a:t>Operaciones REST (Funciones</a:t>
+            </a:r>
+            <a:r>
+              <a:rPr lang="es-CL" dirty="0" smtClean="0"/>
+              <a:t>):GET,POST,PUT, DELETE.</a:t>
+            </a:r>
+          </a:p>
+          <a:p>
+            <a:r>
+              <a:rPr lang="es-CL" dirty="0" smtClean="0"/>
+              <a:t>REST: La </a:t>
+            </a:r>
+            <a:r>
+              <a:rPr lang="es-CL" dirty="0" smtClean="0"/>
+              <a:t>mejora de rendimiento se puede lograr atreves de JSON en vez de XML, sobre todo para dispositivos móviles.</a:t>
+            </a:r>
           </a:p>
           <a:p>
             <a:endParaRPr lang="es-CL" dirty="0"/>
@@ -5499,11 +6380,6 @@
         </p:txBody>
       </p:sp>
     </p:spTree>
-    <p:extLst>
-      <p:ext uri="{BB962C8B-B14F-4D97-AF65-F5344CB8AC3E}">
-        <p14:creationId xmlns:p14="http://schemas.microsoft.com/office/powerpoint/2010/main" xmlns="" val="809662487"/>
-      </p:ext>
-    </p:extLst>
   </p:cSld>
   <p:clrMapOvr>
     <a:masterClrMapping/>
@@ -5552,7 +6428,7 @@
           <a:p>
             <a:r>
               <a:rPr lang="es-CL" dirty="0" smtClean="0"/>
-              <a:t>Requerimientos Funcionales</a:t>
+              <a:t>Web API vs WCF</a:t>
             </a:r>
             <a:endParaRPr lang="es-CL" dirty="0"/>
           </a:p>
@@ -5577,46 +6453,23 @@
           <a:p>
             <a:r>
               <a:rPr lang="es-CL" dirty="0" smtClean="0"/>
-              <a:t>Registro de Ventas.</a:t>
-            </a:r>
-          </a:p>
-          <a:p>
+              <a:t>ASP.NET Web API: Es una plataforma ideal para compilar aplicaciones de </a:t>
+            </a:r>
+            <a:r>
+              <a:rPr lang="es-CL" dirty="0" err="1" smtClean="0"/>
+              <a:t>RESTful</a:t>
+            </a:r>
             <a:r>
               <a:rPr lang="es-CL" dirty="0" smtClean="0"/>
-              <a:t>Logística.</a:t>
-            </a:r>
-          </a:p>
-          <a:p>
-            <a:r>
-              <a:rPr lang="es-CL" dirty="0" smtClean="0"/>
-              <a:t>Registro Facturación.</a:t>
-            </a:r>
-          </a:p>
-          <a:p>
-            <a:r>
-              <a:rPr lang="es-CL" dirty="0" smtClean="0"/>
-              <a:t>Informes</a:t>
-            </a:r>
-            <a:r>
-              <a:rPr lang="es-CL" dirty="0" smtClean="0"/>
-              <a:t>.</a:t>
-            </a:r>
-          </a:p>
-          <a:p>
-            <a:r>
-              <a:rPr lang="es-CL" dirty="0" smtClean="0"/>
-              <a:t>Optimización de recursos. </a:t>
-            </a:r>
+              <a:t> en .NET Framework. Esta facilita la compilación de servicios HTTP que llegan a una gran variedad de clientes, incluidos los exploradores y los dispositivos móviles). </a:t>
+            </a:r>
+          </a:p>
+          <a:p>
             <a:endParaRPr lang="es-CL" dirty="0"/>
           </a:p>
         </p:txBody>
       </p:sp>
     </p:spTree>
-    <p:extLst>
-      <p:ext uri="{BB962C8B-B14F-4D97-AF65-F5344CB8AC3E}">
-        <p14:creationId xmlns:p14="http://schemas.microsoft.com/office/powerpoint/2010/main" xmlns="" val="2774286921"/>
-      </p:ext>
-    </p:extLst>
   </p:cSld>
   <p:clrMapOvr>
     <a:masterClrMapping/>
@@ -5660,76 +6513,35 @@
         </p:nvSpPr>
         <p:spPr/>
         <p:txBody>
-          <a:bodyPr>
-            <a:normAutofit fontScale="90000"/>
-          </a:bodyPr>
-          <a:lstStyle/>
-          <a:p>
-            <a:r>
-              <a:rPr lang="es-CL" dirty="0" smtClean="0"/>
-              <a:t>Requerimientos </a:t>
-            </a:r>
-            <a:r>
-              <a:rPr lang="es-CL" dirty="0"/>
-              <a:t>n</a:t>
-            </a:r>
-            <a:r>
-              <a:rPr lang="es-CL" dirty="0" smtClean="0"/>
-              <a:t>o Funcionales</a:t>
-            </a:r>
-            <a:endParaRPr lang="es-CL" dirty="0"/>
-          </a:p>
-        </p:txBody>
-      </p:sp>
-      <p:sp>
-        <p:nvSpPr>
-          <p:cNvPr id="3" name="2 Marcador de contenido"/>
-          <p:cNvSpPr>
-            <a:spLocks noGrp="1"/>
-          </p:cNvSpPr>
-          <p:nvPr>
-            <p:ph idx="1"/>
-          </p:nvPr>
-        </p:nvSpPr>
-        <p:spPr/>
-        <p:txBody>
           <a:bodyPr/>
           <a:lstStyle/>
           <a:p>
             <a:r>
               <a:rPr lang="es-CL" dirty="0" smtClean="0"/>
-              <a:t>Disponibilidad.</a:t>
-            </a:r>
-          </a:p>
+              <a:t>Web API vs WCF</a:t>
+            </a:r>
+            <a:endParaRPr lang="es-CL" dirty="0"/>
+          </a:p>
+        </p:txBody>
+      </p:sp>
+      <p:sp>
+        <p:nvSpPr>
+          <p:cNvPr id="3" name="2 Marcador de contenido"/>
+          <p:cNvSpPr>
+            <a:spLocks noGrp="1"/>
+          </p:cNvSpPr>
+          <p:nvPr>
+            <p:ph idx="1"/>
+          </p:nvPr>
+        </p:nvSpPr>
+        <p:spPr/>
+        <p:txBody>
+          <a:bodyPr/>
+          <a:lstStyle/>
           <a:p>
             <a:r>
               <a:rPr lang="es-CL" dirty="0" smtClean="0"/>
-              <a:t>Eficiencia en el manejo de recursos.</a:t>
-            </a:r>
-          </a:p>
-          <a:p>
-            <a:r>
-              <a:rPr lang="es-CL" dirty="0" smtClean="0"/>
-              <a:t>Software Escalable.</a:t>
-            </a:r>
-            <a:endParaRPr lang="es-CL" dirty="0" smtClean="0"/>
-          </a:p>
-          <a:p>
-            <a:r>
-              <a:rPr lang="es-CL" dirty="0" smtClean="0"/>
-              <a:t>Integridad.</a:t>
-            </a:r>
-          </a:p>
-          <a:p>
-            <a:r>
-              <a:rPr lang="es-CL" dirty="0" smtClean="0"/>
-              <a:t>Confidencialidad.</a:t>
-            </a:r>
-          </a:p>
-          <a:p>
-            <a:r>
-              <a:rPr lang="es-CL" dirty="0" smtClean="0"/>
-              <a:t>Autentificación o Autenticación.</a:t>
+              <a:t>WCF es el modelo de programación unificado de Microsoft para compilar aplicaciones orientadas a servicios. Permite a los desarrolladores compilar soluciones con transacción segura y de confianza, que se integren en diferentes plataformas y que inter operen con las inversiones existentes.</a:t>
             </a:r>
           </a:p>
           <a:p>
@@ -5738,11 +6550,6 @@
         </p:txBody>
       </p:sp>
     </p:spTree>
-    <p:extLst>
-      <p:ext uri="{BB962C8B-B14F-4D97-AF65-F5344CB8AC3E}">
-        <p14:creationId xmlns:p14="http://schemas.microsoft.com/office/powerpoint/2010/main" xmlns="" val="1328403868"/>
-      </p:ext>
-    </p:extLst>
   </p:cSld>
   <p:clrMapOvr>
     <a:masterClrMapping/>
@@ -5791,74 +6598,38 @@
           <a:p>
             <a:r>
               <a:rPr lang="es-CL" dirty="0" smtClean="0"/>
-              <a:t>Modelo de Casos de Uso</a:t>
+              <a:t>Entity Framework </a:t>
             </a:r>
             <a:endParaRPr lang="es-CL" dirty="0"/>
           </a:p>
         </p:txBody>
       </p:sp>
-      <p:pic>
-        <p:nvPicPr>
-          <p:cNvPr id="2051" name="Picture 3"/>
-          <p:cNvPicPr>
-            <a:picLocks noGrp="1" noChangeAspect="1" noChangeArrowheads="1"/>
-          </p:cNvPicPr>
+      <p:sp>
+        <p:nvSpPr>
+          <p:cNvPr id="3" name="2 Marcador de contenido"/>
+          <p:cNvSpPr>
+            <a:spLocks noGrp="1"/>
+          </p:cNvSpPr>
           <p:nvPr>
             <p:ph idx="1"/>
           </p:nvPr>
-        </p:nvPicPr>
-        <p:blipFill>
-          <a:blip r:embed="rId2" cstate="print">
-            <a:extLst>
-              <a:ext uri="{28A0092B-C50C-407E-A947-70E740481C1C}">
-                <a14:useLocalDpi xmlns:a14="http://schemas.microsoft.com/office/drawing/2010/main" xmlns="" val="0"/>
-              </a:ext>
-            </a:extLst>
-          </a:blip>
-          <a:srcRect/>
-          <a:stretch>
-            <a:fillRect/>
-          </a:stretch>
-        </p:blipFill>
-        <p:spPr bwMode="auto">
-          <a:xfrm>
-            <a:off x="1403648" y="1463495"/>
-            <a:ext cx="6480720" cy="4665297"/>
-          </a:xfrm>
-          <a:prstGeom prst="rect">
-            <a:avLst/>
-          </a:prstGeom>
-          <a:noFill/>
-          <a:ln>
-            <a:noFill/>
-          </a:ln>
-          <a:extLst>
-            <a:ext uri="{909E8E84-426E-40DD-AFC4-6F175D3DCCD1}">
-              <a14:hiddenFill xmlns:a14="http://schemas.microsoft.com/office/drawing/2010/main" xmlns="">
-                <a:solidFill>
-                  <a:schemeClr val="accent1"/>
-                </a:solidFill>
-              </a14:hiddenFill>
-            </a:ext>
-            <a:ext uri="{91240B29-F687-4F45-9708-019B960494DF}">
-              <a14:hiddenLine xmlns:a14="http://schemas.microsoft.com/office/drawing/2010/main" xmlns="" w="9525">
-                <a:solidFill>
-                  <a:schemeClr val="tx1"/>
-                </a:solidFill>
-                <a:miter lim="800000"/>
-                <a:headEnd/>
-                <a:tailEnd/>
-              </a14:hiddenLine>
-            </a:ext>
-          </a:extLst>
-        </p:spPr>
-      </p:pic>
+        </p:nvSpPr>
+        <p:spPr/>
+        <p:txBody>
+          <a:bodyPr/>
+          <a:lstStyle/>
+          <a:p>
+            <a:r>
+              <a:rPr lang="es-CL" dirty="0" smtClean="0"/>
+              <a:t>Es un asignador objeto-relacional que permite a los desarrolladores de .NET trabajar con datos relacionales usando objetos  específicos del dominio. Elimina la necesidad de la mayor parte del código de acceso a datos que los desarrolladores suelen tener que escribir.</a:t>
+            </a:r>
+          </a:p>
+          <a:p>
+            <a:endParaRPr lang="es-CL" dirty="0"/>
+          </a:p>
+        </p:txBody>
+      </p:sp>
     </p:spTree>
-    <p:extLst>
-      <p:ext uri="{BB962C8B-B14F-4D97-AF65-F5344CB8AC3E}">
-        <p14:creationId xmlns:p14="http://schemas.microsoft.com/office/powerpoint/2010/main" xmlns="" val="3792566270"/>
-      </p:ext>
-    </p:extLst>
   </p:cSld>
   <p:clrMapOvr>
     <a:masterClrMapping/>
@@ -5892,457 +6663,58 @@
       </p:grpSpPr>
       <p:sp>
         <p:nvSpPr>
-          <p:cNvPr id="21" name="20 Rectángulo"/>
-          <p:cNvSpPr/>
-          <p:nvPr/>
-        </p:nvSpPr>
-        <p:spPr>
-          <a:xfrm>
-            <a:off x="1403648" y="1916832"/>
-            <a:ext cx="6048672" cy="1800200"/>
-          </a:xfrm>
-          <a:prstGeom prst="rect">
-            <a:avLst/>
-          </a:prstGeom>
-          <a:solidFill>
-            <a:schemeClr val="accent1">
-              <a:lumMod val="40000"/>
-              <a:lumOff val="60000"/>
-            </a:schemeClr>
-          </a:solidFill>
-        </p:spPr>
-        <p:style>
-          <a:lnRef idx="2">
-            <a:schemeClr val="accent1">
-              <a:shade val="50000"/>
-            </a:schemeClr>
-          </a:lnRef>
-          <a:fillRef idx="1">
-            <a:schemeClr val="accent1"/>
-          </a:fillRef>
-          <a:effectRef idx="0">
-            <a:schemeClr val="accent1"/>
-          </a:effectRef>
-          <a:fontRef idx="minor">
-            <a:schemeClr val="lt1"/>
-          </a:fontRef>
-        </p:style>
-        <p:txBody>
-          <a:bodyPr rtlCol="0" anchor="ctr"/>
+          <p:cNvPr id="2" name="1 Título"/>
+          <p:cNvSpPr>
+            <a:spLocks noGrp="1"/>
+          </p:cNvSpPr>
+          <p:nvPr>
+            <p:ph type="title"/>
+          </p:nvPr>
+        </p:nvSpPr>
+        <p:spPr/>
+        <p:txBody>
+          <a:bodyPr/>
           <a:lstStyle/>
           <a:p>
-            <a:pPr algn="ctr"/>
-            <a:endParaRPr lang="es-CL"/>
-          </a:p>
-        </p:txBody>
-      </p:sp>
-      <p:sp>
-        <p:nvSpPr>
-          <p:cNvPr id="9" name="8 Rectángulo"/>
-          <p:cNvSpPr/>
-          <p:nvPr/>
-        </p:nvSpPr>
-        <p:spPr>
-          <a:xfrm>
-            <a:off x="1547664" y="980728"/>
-            <a:ext cx="5760640" cy="576064"/>
-          </a:xfrm>
-          <a:prstGeom prst="rect">
-            <a:avLst/>
-          </a:prstGeom>
-        </p:spPr>
-        <p:style>
-          <a:lnRef idx="2">
-            <a:schemeClr val="accent1">
-              <a:shade val="50000"/>
-            </a:schemeClr>
-          </a:lnRef>
-          <a:fillRef idx="1">
-            <a:schemeClr val="accent1"/>
-          </a:fillRef>
-          <a:effectRef idx="0">
-            <a:schemeClr val="accent1"/>
-          </a:effectRef>
-          <a:fontRef idx="minor">
-            <a:schemeClr val="lt1"/>
-          </a:fontRef>
-        </p:style>
-        <p:txBody>
-          <a:bodyPr rtlCol="0" anchor="ctr"/>
+            <a:r>
+              <a:rPr lang="es-CL" dirty="0" smtClean="0"/>
+              <a:t>ADO .NET</a:t>
+            </a:r>
+            <a:endParaRPr lang="es-CL" dirty="0"/>
+          </a:p>
+        </p:txBody>
+      </p:sp>
+      <p:sp>
+        <p:nvSpPr>
+          <p:cNvPr id="3" name="2 Marcador de contenido"/>
+          <p:cNvSpPr>
+            <a:spLocks noGrp="1"/>
+          </p:cNvSpPr>
+          <p:nvPr>
+            <p:ph idx="1"/>
+          </p:nvPr>
+        </p:nvSpPr>
+        <p:spPr/>
+        <p:txBody>
+          <a:bodyPr/>
           <a:lstStyle/>
           <a:p>
             <a:r>
               <a:rPr lang="es-CL" dirty="0" smtClean="0"/>
-              <a:t>Interfaz Web</a:t>
-            </a:r>
-          </a:p>
-          <a:p>
-            <a:pPr algn="ctr"/>
+              <a:t>Es el ORM que permite la conexión entre Capa de Datos y Base de Datos para las consultas a realizar.</a:t>
+            </a:r>
+          </a:p>
+          <a:p>
             <a:r>
               <a:rPr lang="es-CL" dirty="0" smtClean="0"/>
-              <a:t>WebForm .NET</a:t>
-            </a:r>
-            <a:endParaRPr lang="es-CL" dirty="0"/>
-          </a:p>
-        </p:txBody>
-      </p:sp>
-      <p:sp>
-        <p:nvSpPr>
-          <p:cNvPr id="10" name="9 Flecha circular"/>
-          <p:cNvSpPr/>
-          <p:nvPr/>
-        </p:nvSpPr>
-        <p:spPr>
-          <a:xfrm rot="5400000">
-            <a:off x="6876256" y="1298464"/>
-            <a:ext cx="978408" cy="978408"/>
-          </a:xfrm>
-          <a:prstGeom prst="circularArrow">
-            <a:avLst/>
-          </a:prstGeom>
-        </p:spPr>
-        <p:style>
-          <a:lnRef idx="2">
-            <a:schemeClr val="accent1">
-              <a:shade val="50000"/>
-            </a:schemeClr>
-          </a:lnRef>
-          <a:fillRef idx="1">
-            <a:schemeClr val="accent1"/>
-          </a:fillRef>
-          <a:effectRef idx="0">
-            <a:schemeClr val="accent1"/>
-          </a:effectRef>
-          <a:fontRef idx="minor">
-            <a:schemeClr val="lt1"/>
-          </a:fontRef>
-        </p:style>
-        <p:txBody>
-          <a:bodyPr rtlCol="0" anchor="ctr"/>
-          <a:lstStyle/>
-          <a:p>
-            <a:pPr algn="ctr"/>
-            <a:endParaRPr lang="es-CL">
-              <a:solidFill>
-                <a:schemeClr val="tx1"/>
-              </a:solidFill>
-            </a:endParaRPr>
-          </a:p>
-        </p:txBody>
-      </p:sp>
-      <p:sp>
-        <p:nvSpPr>
-          <p:cNvPr id="11" name="10 Rectángulo"/>
-          <p:cNvSpPr/>
-          <p:nvPr/>
-        </p:nvSpPr>
-        <p:spPr>
-          <a:xfrm>
-            <a:off x="1547664" y="1988840"/>
-            <a:ext cx="5760640" cy="504056"/>
-          </a:xfrm>
-          <a:prstGeom prst="rect">
-            <a:avLst/>
-          </a:prstGeom>
-        </p:spPr>
-        <p:style>
-          <a:lnRef idx="2">
-            <a:schemeClr val="accent1">
-              <a:shade val="50000"/>
-            </a:schemeClr>
-          </a:lnRef>
-          <a:fillRef idx="1">
-            <a:schemeClr val="accent1"/>
-          </a:fillRef>
-          <a:effectRef idx="0">
-            <a:schemeClr val="accent1"/>
-          </a:effectRef>
-          <a:fontRef idx="minor">
-            <a:schemeClr val="lt1"/>
-          </a:fontRef>
-        </p:style>
-        <p:txBody>
-          <a:bodyPr rtlCol="0" anchor="ctr"/>
-          <a:lstStyle/>
+              <a:t>Este viene incluido en .NET Framework.</a:t>
+            </a:r>
+          </a:p>
           <a:p>
             <a:r>
               <a:rPr lang="es-CL" dirty="0" smtClean="0"/>
-              <a:t>Interfaces de Servicio</a:t>
-            </a:r>
-          </a:p>
-          <a:p>
-            <a:pPr algn="ctr"/>
-            <a:r>
-              <a:rPr lang="es-CL" dirty="0" smtClean="0"/>
-              <a:t>Web API ASP.NET</a:t>
-            </a:r>
-            <a:endParaRPr lang="es-CL" dirty="0"/>
-          </a:p>
-        </p:txBody>
-      </p:sp>
-      <p:sp>
-        <p:nvSpPr>
-          <p:cNvPr id="12" name="11 Rectángulo"/>
-          <p:cNvSpPr/>
-          <p:nvPr/>
-        </p:nvSpPr>
-        <p:spPr>
-          <a:xfrm>
-            <a:off x="1547664" y="2636912"/>
-            <a:ext cx="5760640" cy="1008112"/>
-          </a:xfrm>
-          <a:prstGeom prst="rect">
-            <a:avLst/>
-          </a:prstGeom>
-        </p:spPr>
-        <p:style>
-          <a:lnRef idx="2">
-            <a:schemeClr val="accent1">
-              <a:shade val="50000"/>
-            </a:schemeClr>
-          </a:lnRef>
-          <a:fillRef idx="1">
-            <a:schemeClr val="accent1"/>
-          </a:fillRef>
-          <a:effectRef idx="0">
-            <a:schemeClr val="accent1"/>
-          </a:effectRef>
-          <a:fontRef idx="minor">
-            <a:schemeClr val="lt1"/>
-          </a:fontRef>
-        </p:style>
-        <p:txBody>
-          <a:bodyPr rtlCol="0" anchor="ctr"/>
-          <a:lstStyle/>
-          <a:p>
-            <a:r>
-              <a:rPr lang="es-CL" dirty="0" smtClean="0"/>
-              <a:t>Capa Negocio</a:t>
-            </a:r>
-          </a:p>
-          <a:p>
-            <a:pPr algn="ctr"/>
-            <a:r>
-              <a:rPr lang="es-CL" dirty="0" smtClean="0"/>
-              <a:t>Clase Negocios</a:t>
-            </a:r>
-          </a:p>
-          <a:p>
-            <a:endParaRPr lang="es-CL" dirty="0" smtClean="0"/>
-          </a:p>
-        </p:txBody>
-      </p:sp>
-      <p:sp>
-        <p:nvSpPr>
-          <p:cNvPr id="13" name="12 Flecha circular"/>
-          <p:cNvSpPr/>
-          <p:nvPr/>
-        </p:nvSpPr>
-        <p:spPr>
-          <a:xfrm rot="5400000" flipV="1">
-            <a:off x="1022456" y="3335840"/>
-            <a:ext cx="978408" cy="1080120"/>
-          </a:xfrm>
-          <a:prstGeom prst="circularArrow">
-            <a:avLst/>
-          </a:prstGeom>
-        </p:spPr>
-        <p:style>
-          <a:lnRef idx="2">
-            <a:schemeClr val="accent1">
-              <a:shade val="50000"/>
-            </a:schemeClr>
-          </a:lnRef>
-          <a:fillRef idx="1">
-            <a:schemeClr val="accent1"/>
-          </a:fillRef>
-          <a:effectRef idx="0">
-            <a:schemeClr val="accent1"/>
-          </a:effectRef>
-          <a:fontRef idx="minor">
-            <a:schemeClr val="lt1"/>
-          </a:fontRef>
-        </p:style>
-        <p:txBody>
-          <a:bodyPr rtlCol="0" anchor="ctr"/>
-          <a:lstStyle/>
-          <a:p>
-            <a:pPr algn="ctr"/>
-            <a:endParaRPr lang="es-CL">
-              <a:solidFill>
-                <a:schemeClr val="tx1"/>
-              </a:solidFill>
-            </a:endParaRPr>
-          </a:p>
-        </p:txBody>
-      </p:sp>
-      <p:sp>
-        <p:nvSpPr>
-          <p:cNvPr id="14" name="13 Rectángulo"/>
-          <p:cNvSpPr/>
-          <p:nvPr/>
-        </p:nvSpPr>
-        <p:spPr>
-          <a:xfrm>
-            <a:off x="1547664" y="4077072"/>
-            <a:ext cx="5760640" cy="1008112"/>
-          </a:xfrm>
-          <a:prstGeom prst="rect">
-            <a:avLst/>
-          </a:prstGeom>
-        </p:spPr>
-        <p:style>
-          <a:lnRef idx="2">
-            <a:schemeClr val="accent1">
-              <a:shade val="50000"/>
-            </a:schemeClr>
-          </a:lnRef>
-          <a:fillRef idx="1">
-            <a:schemeClr val="accent1"/>
-          </a:fillRef>
-          <a:effectRef idx="0">
-            <a:schemeClr val="accent1"/>
-          </a:effectRef>
-          <a:fontRef idx="minor">
-            <a:schemeClr val="lt1"/>
-          </a:fontRef>
-        </p:style>
-        <p:txBody>
-          <a:bodyPr rtlCol="0" anchor="ctr"/>
-          <a:lstStyle/>
-          <a:p>
-            <a:r>
-              <a:rPr lang="es-CL" dirty="0" smtClean="0"/>
-              <a:t>Capa  Datos</a:t>
-            </a:r>
-          </a:p>
-          <a:p>
-            <a:pPr algn="ctr"/>
-            <a:r>
-              <a:rPr lang="es-CL" dirty="0" smtClean="0"/>
-              <a:t>Entity Framework</a:t>
-            </a:r>
-          </a:p>
-          <a:p>
-            <a:pPr algn="ctr"/>
-            <a:r>
-              <a:rPr lang="es-CL" dirty="0" smtClean="0"/>
-              <a:t>ADO.NET</a:t>
-            </a:r>
-          </a:p>
-          <a:p>
-            <a:endParaRPr lang="es-CL" dirty="0" smtClean="0"/>
-          </a:p>
-        </p:txBody>
-      </p:sp>
-      <p:sp>
-        <p:nvSpPr>
-          <p:cNvPr id="15" name="14 Disco magnético"/>
-          <p:cNvSpPr/>
-          <p:nvPr/>
-        </p:nvSpPr>
-        <p:spPr>
-          <a:xfrm>
-            <a:off x="3419872" y="5589240"/>
-            <a:ext cx="1944216" cy="1152128"/>
-          </a:xfrm>
-          <a:prstGeom prst="flowChartMagneticDisk">
-            <a:avLst/>
-          </a:prstGeom>
-        </p:spPr>
-        <p:style>
-          <a:lnRef idx="2">
-            <a:schemeClr val="accent1">
-              <a:shade val="50000"/>
-            </a:schemeClr>
-          </a:lnRef>
-          <a:fillRef idx="1">
-            <a:schemeClr val="accent1"/>
-          </a:fillRef>
-          <a:effectRef idx="0">
-            <a:schemeClr val="accent1"/>
-          </a:effectRef>
-          <a:fontRef idx="minor">
-            <a:schemeClr val="lt1"/>
-          </a:fontRef>
-        </p:style>
-        <p:txBody>
-          <a:bodyPr rtlCol="0" anchor="ctr"/>
-          <a:lstStyle/>
-          <a:p>
-            <a:pPr algn="ctr"/>
-            <a:r>
-              <a:rPr lang="es-CL" dirty="0" smtClean="0"/>
-              <a:t>SQL</a:t>
-            </a:r>
-            <a:endParaRPr lang="es-CL" dirty="0"/>
-          </a:p>
-        </p:txBody>
-      </p:sp>
-      <p:cxnSp>
-        <p:nvCxnSpPr>
-          <p:cNvPr id="19" name="18 Conector recto de flecha"/>
-          <p:cNvCxnSpPr/>
-          <p:nvPr/>
-        </p:nvCxnSpPr>
-        <p:spPr>
-          <a:xfrm>
-            <a:off x="4355976" y="5085184"/>
-            <a:ext cx="0" cy="504056"/>
-          </a:xfrm>
-          <a:prstGeom prst="straightConnector1">
-            <a:avLst/>
-          </a:prstGeom>
-          <a:ln>
-            <a:tailEnd type="arrow"/>
-          </a:ln>
-        </p:spPr>
-        <p:style>
-          <a:lnRef idx="1">
-            <a:schemeClr val="accent1"/>
-          </a:lnRef>
-          <a:fillRef idx="0">
-            <a:schemeClr val="accent1"/>
-          </a:fillRef>
-          <a:effectRef idx="0">
-            <a:schemeClr val="accent1"/>
-          </a:effectRef>
-          <a:fontRef idx="minor">
-            <a:schemeClr val="tx1"/>
-          </a:fontRef>
-        </p:style>
-      </p:cxnSp>
-      <p:sp>
-        <p:nvSpPr>
-          <p:cNvPr id="23" name="1 Título"/>
-          <p:cNvSpPr>
-            <a:spLocks noGrp="1"/>
-          </p:cNvSpPr>
-          <p:nvPr>
-            <p:ph type="title"/>
-          </p:nvPr>
-        </p:nvSpPr>
-        <p:spPr>
-          <a:xfrm>
-            <a:off x="467544" y="183778"/>
-            <a:ext cx="7467600" cy="580926"/>
-          </a:xfrm>
-        </p:spPr>
-        <p:txBody>
-          <a:bodyPr>
-            <a:normAutofit fontScale="90000"/>
-          </a:bodyPr>
-          <a:lstStyle/>
-          <a:p>
-            <a:r>
-              <a:rPr lang="es-CL" dirty="0" smtClean="0"/>
-              <a:t>Modelo </a:t>
-            </a:r>
-            <a:r>
-              <a:rPr lang="es-CL" dirty="0" smtClean="0"/>
-              <a:t>Lógico</a:t>
-            </a:r>
-            <a:endParaRPr lang="es-CL" dirty="0"/>
+              <a:t>Puede ser ocupado para Gestor de Base de Datos relacionales y no relacionales.</a:t>
+            </a:r>
           </a:p>
         </p:txBody>
       </p:sp>
@@ -6395,7 +6767,7 @@
           <a:p>
             <a:r>
               <a:rPr lang="es-CL" dirty="0" smtClean="0"/>
-              <a:t>Diferencia REST - SOAP</a:t>
+              <a:t>Procedimientos Almacenados</a:t>
             </a:r>
             <a:endParaRPr lang="es-CL" dirty="0"/>
           </a:p>
@@ -6413,73 +6785,36 @@
         </p:nvSpPr>
         <p:spPr/>
         <p:txBody>
-          <a:bodyPr>
-            <a:normAutofit fontScale="85000" lnSpcReduction="20000"/>
-          </a:bodyPr>
+          <a:bodyPr/>
           <a:lstStyle/>
           <a:p>
             <a:r>
               <a:rPr lang="es-CL" dirty="0" smtClean="0"/>
-              <a:t>SOAP (Simple </a:t>
-            </a:r>
-            <a:r>
-              <a:rPr lang="es-CL" dirty="0" err="1" smtClean="0"/>
-              <a:t>Object</a:t>
-            </a:r>
+              <a:t>Trafico de red reducido entre cliente y servidor.</a:t>
+            </a:r>
+          </a:p>
+          <a:p>
             <a:r>
               <a:rPr lang="es-CL" dirty="0" smtClean="0"/>
-              <a:t> Access </a:t>
-            </a:r>
-            <a:r>
-              <a:rPr lang="es-CL" dirty="0" err="1" smtClean="0"/>
-              <a:t>Protocol</a:t>
-            </a:r>
+              <a:t>Tiene mayor seguridad.</a:t>
+            </a:r>
+          </a:p>
+          <a:p>
             <a:r>
               <a:rPr lang="es-CL" dirty="0" smtClean="0"/>
-              <a:t>):  Enfocado a la comunicación XML, ideal para proyecto con datos definidos de entrada y salida, mayor seguridad.</a:t>
+              <a:t>Reutilización del código.</a:t>
             </a:r>
           </a:p>
           <a:p>
             <a:r>
               <a:rPr lang="es-CL" dirty="0" smtClean="0"/>
-              <a:t>REST(</a:t>
-            </a:r>
-            <a:r>
-              <a:rPr lang="es-CL" dirty="0" err="1" smtClean="0"/>
-              <a:t>Representation</a:t>
-            </a:r>
+              <a:t>Mantenimiento mas sencillo.</a:t>
+            </a:r>
+          </a:p>
+          <a:p>
             <a:r>
               <a:rPr lang="es-CL" dirty="0" smtClean="0"/>
-              <a:t> </a:t>
-            </a:r>
-            <a:r>
-              <a:rPr lang="es-CL" dirty="0" err="1" smtClean="0"/>
-              <a:t>State</a:t>
-            </a:r>
-            <a:r>
-              <a:rPr lang="es-CL" dirty="0" smtClean="0"/>
-              <a:t> Transfer): Esta arquitectura de software esta enfocada a sistemas distribuidos web, se centra en el uso de los </a:t>
-            </a:r>
-            <a:r>
-              <a:rPr lang="es-CL" dirty="0" err="1" smtClean="0"/>
-              <a:t>estandares</a:t>
-            </a:r>
-            <a:r>
-              <a:rPr lang="es-CL" dirty="0" smtClean="0"/>
-              <a:t> HTML y XML. </a:t>
-            </a:r>
-            <a:endParaRPr lang="es-CL" dirty="0" smtClean="0"/>
-          </a:p>
-          <a:p>
-            <a:r>
-              <a:rPr lang="es-CL" dirty="0" smtClean="0"/>
-              <a:t>Las Operaciones (Funciones):GET,POST,PUT, DELETE.</a:t>
-            </a:r>
-          </a:p>
-          <a:p>
-            <a:r>
-              <a:rPr lang="es-CL" dirty="0" smtClean="0"/>
-              <a:t>La mejora de rendimiento se puede lograr atreves de JSON en vez de XML, sobre todo para dispositivos móviles.</a:t>
+              <a:t>Rendimiento mejorado. </a:t>
             </a:r>
           </a:p>
           <a:p>
